--- a/documentacao/user-story.pptx
+++ b/documentacao/user-story.pptx
@@ -2,10 +2,14 @@
 <file path=ppt/presentation.xml><?xml version="1.0" encoding="utf-8"?>
 <p:presentation xmlns:a="http://schemas.openxmlformats.org/drawingml/2006/main" xmlns:r="http://schemas.openxmlformats.org/officeDocument/2006/relationships" xmlns:p="http://schemas.openxmlformats.org/presentationml/2006/main" saveSubsetFonts="1">
   <p:sldMasterIdLst>
-    <p:sldMasterId id="2147483660" r:id="rId1"/>
+    <p:sldMasterId id="2147483660" r:id="rId4"/>
   </p:sldMasterIdLst>
+  <p:notesMasterIdLst>
+    <p:notesMasterId r:id="rId7"/>
+  </p:notesMasterIdLst>
   <p:sldIdLst>
-    <p:sldId id="256" r:id="rId2"/>
+    <p:sldId id="256" r:id="rId5"/>
+    <p:sldId id="257" r:id="rId6"/>
   </p:sldIdLst>
   <p:sldSz cx="12192000" cy="6858000"/>
   <p:notesSz cx="6858000" cy="9144000"/>
@@ -112,249 +116,437 @@
 </p:presentation>
 </file>
 
-<file path=ppt/revisionInfo.xml><?xml version="1.0" encoding="utf-8"?>
-<p1510:revInfo xmlns:a="http://schemas.openxmlformats.org/drawingml/2006/main" xmlns:r="http://schemas.openxmlformats.org/officeDocument/2006/relationships" xmlns:p1510="http://schemas.microsoft.com/office/powerpoint/2015/10/main">
-  <p1510:revLst>
-    <p1510:client id="{084B5BE9-428C-4CA4-8431-1A9185973062}" v="1" dt="2023-03-01T20:37:00.787"/>
-  </p1510:revLst>
-</p1510:revInfo>
+<file path=ppt/notesMasters/notesMaster1.xml><?xml version="1.0" encoding="utf-8"?>
+<p:notesMaster xmlns:a="http://schemas.openxmlformats.org/drawingml/2006/main" xmlns:r="http://schemas.openxmlformats.org/officeDocument/2006/relationships" xmlns:p="http://schemas.openxmlformats.org/presentationml/2006/main">
+  <p:cSld>
+    <p:bg>
+      <p:bgRef idx="1001">
+        <a:schemeClr val="bg1"/>
+      </p:bgRef>
+    </p:bg>
+    <p:spTree>
+      <p:nvGrpSpPr>
+        <p:cNvPr id="1" name=""/>
+        <p:cNvGrpSpPr/>
+        <p:nvPr/>
+      </p:nvGrpSpPr>
+      <p:grpSpPr>
+        <a:xfrm>
+          <a:off x="0" y="0"/>
+          <a:ext cx="0" cy="0"/>
+          <a:chOff x="0" y="0"/>
+          <a:chExt cx="0" cy="0"/>
+        </a:xfrm>
+      </p:grpSpPr>
+      <p:sp>
+        <p:nvSpPr>
+          <p:cNvPr id="2" name="Espaço Reservado para Cabeçalho 1"/>
+          <p:cNvSpPr>
+            <a:spLocks noGrp="1"/>
+          </p:cNvSpPr>
+          <p:nvPr>
+            <p:ph type="hdr" sz="quarter"/>
+          </p:nvPr>
+        </p:nvSpPr>
+        <p:spPr>
+          <a:xfrm>
+            <a:off x="0" y="0"/>
+            <a:ext cx="2971800" cy="458788"/>
+          </a:xfrm>
+          <a:prstGeom prst="rect">
+            <a:avLst/>
+          </a:prstGeom>
+        </p:spPr>
+        <p:txBody>
+          <a:bodyPr vert="horz" lIns="91440" tIns="45720" rIns="91440" bIns="45720" rtlCol="0"/>
+          <a:lstStyle>
+            <a:lvl1pPr algn="l">
+              <a:defRPr sz="1200"/>
+            </a:lvl1pPr>
+          </a:lstStyle>
+          <a:p>
+            <a:endParaRPr lang="pt-BR"/>
+          </a:p>
+        </p:txBody>
+      </p:sp>
+      <p:sp>
+        <p:nvSpPr>
+          <p:cNvPr id="3" name="Espaço Reservado para Data 2"/>
+          <p:cNvSpPr>
+            <a:spLocks noGrp="1"/>
+          </p:cNvSpPr>
+          <p:nvPr>
+            <p:ph type="dt" idx="1"/>
+          </p:nvPr>
+        </p:nvSpPr>
+        <p:spPr>
+          <a:xfrm>
+            <a:off x="3884613" y="0"/>
+            <a:ext cx="2971800" cy="458788"/>
+          </a:xfrm>
+          <a:prstGeom prst="rect">
+            <a:avLst/>
+          </a:prstGeom>
+        </p:spPr>
+        <p:txBody>
+          <a:bodyPr vert="horz" lIns="91440" tIns="45720" rIns="91440" bIns="45720" rtlCol="0"/>
+          <a:lstStyle>
+            <a:lvl1pPr algn="r">
+              <a:defRPr sz="1200"/>
+            </a:lvl1pPr>
+          </a:lstStyle>
+          <a:p>
+            <a:fld id="{30A2B7AB-AA88-4FFD-AB87-C183ECE492B5}" type="datetimeFigureOut">
+              <a:rPr lang="pt-BR" smtClean="0"/>
+              <a:t>24/03/2023</a:t>
+            </a:fld>
+            <a:endParaRPr lang="pt-BR"/>
+          </a:p>
+        </p:txBody>
+      </p:sp>
+      <p:sp>
+        <p:nvSpPr>
+          <p:cNvPr id="4" name="Espaço Reservado para Imagem de Slide 3"/>
+          <p:cNvSpPr>
+            <a:spLocks noGrp="1" noRot="1" noChangeAspect="1"/>
+          </p:cNvSpPr>
+          <p:nvPr>
+            <p:ph type="sldImg" idx="2"/>
+          </p:nvPr>
+        </p:nvSpPr>
+        <p:spPr>
+          <a:xfrm>
+            <a:off x="685800" y="1143000"/>
+            <a:ext cx="5486400" cy="3086100"/>
+          </a:xfrm>
+          <a:prstGeom prst="rect">
+            <a:avLst/>
+          </a:prstGeom>
+          <a:noFill/>
+          <a:ln w="12700">
+            <a:solidFill>
+              <a:prstClr val="black"/>
+            </a:solidFill>
+          </a:ln>
+        </p:spPr>
+        <p:txBody>
+          <a:bodyPr vert="horz" lIns="91440" tIns="45720" rIns="91440" bIns="45720" rtlCol="0" anchor="ctr"/>
+          <a:lstStyle/>
+          <a:p>
+            <a:endParaRPr lang="pt-BR"/>
+          </a:p>
+        </p:txBody>
+      </p:sp>
+      <p:sp>
+        <p:nvSpPr>
+          <p:cNvPr id="5" name="Espaço Reservado para Anotações 4"/>
+          <p:cNvSpPr>
+            <a:spLocks noGrp="1"/>
+          </p:cNvSpPr>
+          <p:nvPr>
+            <p:ph type="body" sz="quarter" idx="3"/>
+          </p:nvPr>
+        </p:nvSpPr>
+        <p:spPr>
+          <a:xfrm>
+            <a:off x="685800" y="4400550"/>
+            <a:ext cx="5486400" cy="3600450"/>
+          </a:xfrm>
+          <a:prstGeom prst="rect">
+            <a:avLst/>
+          </a:prstGeom>
+        </p:spPr>
+        <p:txBody>
+          <a:bodyPr vert="horz" lIns="91440" tIns="45720" rIns="91440" bIns="45720" rtlCol="0"/>
+          <a:lstStyle/>
+          <a:p>
+            <a:pPr lvl="0"/>
+            <a:r>
+              <a:rPr lang="pt-BR"/>
+              <a:t>Clique para editar os estilos de texto Mestres</a:t>
+            </a:r>
+          </a:p>
+          <a:p>
+            <a:pPr lvl="1"/>
+            <a:r>
+              <a:rPr lang="pt-BR"/>
+              <a:t>Segundo nível</a:t>
+            </a:r>
+          </a:p>
+          <a:p>
+            <a:pPr lvl="2"/>
+            <a:r>
+              <a:rPr lang="pt-BR"/>
+              <a:t>Terceiro nível</a:t>
+            </a:r>
+          </a:p>
+          <a:p>
+            <a:pPr lvl="3"/>
+            <a:r>
+              <a:rPr lang="pt-BR"/>
+              <a:t>Quarto nível</a:t>
+            </a:r>
+          </a:p>
+          <a:p>
+            <a:pPr lvl="4"/>
+            <a:r>
+              <a:rPr lang="pt-BR"/>
+              <a:t>Quinto nível</a:t>
+            </a:r>
+          </a:p>
+        </p:txBody>
+      </p:sp>
+      <p:sp>
+        <p:nvSpPr>
+          <p:cNvPr id="6" name="Espaço Reservado para Rodapé 5"/>
+          <p:cNvSpPr>
+            <a:spLocks noGrp="1"/>
+          </p:cNvSpPr>
+          <p:nvPr>
+            <p:ph type="ftr" sz="quarter" idx="4"/>
+          </p:nvPr>
+        </p:nvSpPr>
+        <p:spPr>
+          <a:xfrm>
+            <a:off x="0" y="8685213"/>
+            <a:ext cx="2971800" cy="458787"/>
+          </a:xfrm>
+          <a:prstGeom prst="rect">
+            <a:avLst/>
+          </a:prstGeom>
+        </p:spPr>
+        <p:txBody>
+          <a:bodyPr vert="horz" lIns="91440" tIns="45720" rIns="91440" bIns="45720" rtlCol="0" anchor="b"/>
+          <a:lstStyle>
+            <a:lvl1pPr algn="l">
+              <a:defRPr sz="1200"/>
+            </a:lvl1pPr>
+          </a:lstStyle>
+          <a:p>
+            <a:endParaRPr lang="pt-BR"/>
+          </a:p>
+        </p:txBody>
+      </p:sp>
+      <p:sp>
+        <p:nvSpPr>
+          <p:cNvPr id="7" name="Espaço Reservado para Número de Slide 6"/>
+          <p:cNvSpPr>
+            <a:spLocks noGrp="1"/>
+          </p:cNvSpPr>
+          <p:nvPr>
+            <p:ph type="sldNum" sz="quarter" idx="5"/>
+          </p:nvPr>
+        </p:nvSpPr>
+        <p:spPr>
+          <a:xfrm>
+            <a:off x="3884613" y="8685213"/>
+            <a:ext cx="2971800" cy="458787"/>
+          </a:xfrm>
+          <a:prstGeom prst="rect">
+            <a:avLst/>
+          </a:prstGeom>
+        </p:spPr>
+        <p:txBody>
+          <a:bodyPr vert="horz" lIns="91440" tIns="45720" rIns="91440" bIns="45720" rtlCol="0" anchor="b"/>
+          <a:lstStyle>
+            <a:lvl1pPr algn="r">
+              <a:defRPr sz="1200"/>
+            </a:lvl1pPr>
+          </a:lstStyle>
+          <a:p>
+            <a:fld id="{FCD6878C-901C-4D1B-9806-095012CFE433}" type="slidenum">
+              <a:rPr lang="pt-BR" smtClean="0"/>
+              <a:t>‹nº›</a:t>
+            </a:fld>
+            <a:endParaRPr lang="pt-BR"/>
+          </a:p>
+        </p:txBody>
+      </p:sp>
+    </p:spTree>
+    <p:extLst>
+      <p:ext uri="{BB962C8B-B14F-4D97-AF65-F5344CB8AC3E}">
+        <p14:creationId xmlns:p14="http://schemas.microsoft.com/office/powerpoint/2010/main" val="3064614394"/>
+      </p:ext>
+    </p:extLst>
+  </p:cSld>
+  <p:clrMap bg1="lt1" tx1="dk1" bg2="lt2" tx2="dk2" accent1="accent1" accent2="accent2" accent3="accent3" accent4="accent4" accent5="accent5" accent6="accent6" hlink="hlink" folHlink="folHlink"/>
+  <p:notesStyle>
+    <a:lvl1pPr marL="0" algn="l" defTabSz="914400" rtl="0" eaLnBrk="1" latinLnBrk="0" hangingPunct="1">
+      <a:defRPr sz="1200" kern="1200">
+        <a:solidFill>
+          <a:schemeClr val="tx1"/>
+        </a:solidFill>
+        <a:latin typeface="+mn-lt"/>
+        <a:ea typeface="+mn-ea"/>
+        <a:cs typeface="+mn-cs"/>
+      </a:defRPr>
+    </a:lvl1pPr>
+    <a:lvl2pPr marL="457200" algn="l" defTabSz="914400" rtl="0" eaLnBrk="1" latinLnBrk="0" hangingPunct="1">
+      <a:defRPr sz="1200" kern="1200">
+        <a:solidFill>
+          <a:schemeClr val="tx1"/>
+        </a:solidFill>
+        <a:latin typeface="+mn-lt"/>
+        <a:ea typeface="+mn-ea"/>
+        <a:cs typeface="+mn-cs"/>
+      </a:defRPr>
+    </a:lvl2pPr>
+    <a:lvl3pPr marL="914400" algn="l" defTabSz="914400" rtl="0" eaLnBrk="1" latinLnBrk="0" hangingPunct="1">
+      <a:defRPr sz="1200" kern="1200">
+        <a:solidFill>
+          <a:schemeClr val="tx1"/>
+        </a:solidFill>
+        <a:latin typeface="+mn-lt"/>
+        <a:ea typeface="+mn-ea"/>
+        <a:cs typeface="+mn-cs"/>
+      </a:defRPr>
+    </a:lvl3pPr>
+    <a:lvl4pPr marL="1371600" algn="l" defTabSz="914400" rtl="0" eaLnBrk="1" latinLnBrk="0" hangingPunct="1">
+      <a:defRPr sz="1200" kern="1200">
+        <a:solidFill>
+          <a:schemeClr val="tx1"/>
+        </a:solidFill>
+        <a:latin typeface="+mn-lt"/>
+        <a:ea typeface="+mn-ea"/>
+        <a:cs typeface="+mn-cs"/>
+      </a:defRPr>
+    </a:lvl4pPr>
+    <a:lvl5pPr marL="1828800" algn="l" defTabSz="914400" rtl="0" eaLnBrk="1" latinLnBrk="0" hangingPunct="1">
+      <a:defRPr sz="1200" kern="1200">
+        <a:solidFill>
+          <a:schemeClr val="tx1"/>
+        </a:solidFill>
+        <a:latin typeface="+mn-lt"/>
+        <a:ea typeface="+mn-ea"/>
+        <a:cs typeface="+mn-cs"/>
+      </a:defRPr>
+    </a:lvl5pPr>
+    <a:lvl6pPr marL="2286000" algn="l" defTabSz="914400" rtl="0" eaLnBrk="1" latinLnBrk="0" hangingPunct="1">
+      <a:defRPr sz="1200" kern="1200">
+        <a:solidFill>
+          <a:schemeClr val="tx1"/>
+        </a:solidFill>
+        <a:latin typeface="+mn-lt"/>
+        <a:ea typeface="+mn-ea"/>
+        <a:cs typeface="+mn-cs"/>
+      </a:defRPr>
+    </a:lvl6pPr>
+    <a:lvl7pPr marL="2743200" algn="l" defTabSz="914400" rtl="0" eaLnBrk="1" latinLnBrk="0" hangingPunct="1">
+      <a:defRPr sz="1200" kern="1200">
+        <a:solidFill>
+          <a:schemeClr val="tx1"/>
+        </a:solidFill>
+        <a:latin typeface="+mn-lt"/>
+        <a:ea typeface="+mn-ea"/>
+        <a:cs typeface="+mn-cs"/>
+      </a:defRPr>
+    </a:lvl7pPr>
+    <a:lvl8pPr marL="3200400" algn="l" defTabSz="914400" rtl="0" eaLnBrk="1" latinLnBrk="0" hangingPunct="1">
+      <a:defRPr sz="1200" kern="1200">
+        <a:solidFill>
+          <a:schemeClr val="tx1"/>
+        </a:solidFill>
+        <a:latin typeface="+mn-lt"/>
+        <a:ea typeface="+mn-ea"/>
+        <a:cs typeface="+mn-cs"/>
+      </a:defRPr>
+    </a:lvl8pPr>
+    <a:lvl9pPr marL="3657600" algn="l" defTabSz="914400" rtl="0" eaLnBrk="1" latinLnBrk="0" hangingPunct="1">
+      <a:defRPr sz="1200" kern="1200">
+        <a:solidFill>
+          <a:schemeClr val="tx1"/>
+        </a:solidFill>
+        <a:latin typeface="+mn-lt"/>
+        <a:ea typeface="+mn-ea"/>
+        <a:cs typeface="+mn-cs"/>
+      </a:defRPr>
+    </a:lvl9pPr>
+  </p:notesStyle>
+</p:notesMaster>
 </file>
 
-<file path=ppt/changesInfos/changesInfo1.xml><?xml version="1.0" encoding="utf-8"?>
-<pc:chgInfo xmlns:a="http://schemas.openxmlformats.org/drawingml/2006/main" xmlns:r="http://schemas.openxmlformats.org/officeDocument/2006/relationships" xmlns:ac="http://schemas.microsoft.com/office/drawing/2013/main/command" xmlns:pc="http://schemas.microsoft.com/office/powerpoint/2013/main/command">
-  <pc:docChgLst>
-    <pc:chgData name="julia barboza" userId="1e17e4f12c7a3f3b" providerId="LiveId" clId="{084B5BE9-428C-4CA4-8431-1A9185973062}"/>
-    <pc:docChg chg="custSel modSld">
-      <pc:chgData name="julia barboza" userId="1e17e4f12c7a3f3b" providerId="LiveId" clId="{084B5BE9-428C-4CA4-8431-1A9185973062}" dt="2023-03-03T22:03:14.971" v="1109" actId="207"/>
-      <pc:docMkLst>
-        <pc:docMk/>
-      </pc:docMkLst>
-      <pc:sldChg chg="delSp modSp mod">
-        <pc:chgData name="julia barboza" userId="1e17e4f12c7a3f3b" providerId="LiveId" clId="{084B5BE9-428C-4CA4-8431-1A9185973062}" dt="2023-03-03T22:03:14.971" v="1109" actId="207"/>
-        <pc:sldMkLst>
-          <pc:docMk/>
-          <pc:sldMk cId="1463147037" sldId="256"/>
-        </pc:sldMkLst>
-        <pc:spChg chg="mod">
-          <ac:chgData name="julia barboza" userId="1e17e4f12c7a3f3b" providerId="LiveId" clId="{084B5BE9-428C-4CA4-8431-1A9185973062}" dt="2023-03-03T21:59:59.168" v="1104" actId="207"/>
-          <ac:spMkLst>
-            <pc:docMk/>
-            <pc:sldMk cId="1463147037" sldId="256"/>
-            <ac:spMk id="4" creationId="{DB93B2C0-420B-B1AE-C585-2E57127E8DBA}"/>
-          </ac:spMkLst>
-        </pc:spChg>
-        <pc:spChg chg="mod">
-          <ac:chgData name="julia barboza" userId="1e17e4f12c7a3f3b" providerId="LiveId" clId="{084B5BE9-428C-4CA4-8431-1A9185973062}" dt="2023-03-03T22:03:14.971" v="1109" actId="207"/>
-          <ac:spMkLst>
-            <pc:docMk/>
-            <pc:sldMk cId="1463147037" sldId="256"/>
-            <ac:spMk id="5" creationId="{1A8CC540-8C63-FEDB-5843-61BEBCD4014B}"/>
-          </ac:spMkLst>
-        </pc:spChg>
-        <pc:spChg chg="mod">
-          <ac:chgData name="julia barboza" userId="1e17e4f12c7a3f3b" providerId="LiveId" clId="{084B5BE9-428C-4CA4-8431-1A9185973062}" dt="2023-03-03T22:00:09.100" v="1107" actId="14100"/>
-          <ac:spMkLst>
-            <pc:docMk/>
-            <pc:sldMk cId="1463147037" sldId="256"/>
-            <ac:spMk id="6" creationId="{B83FCEB0-B3BB-CD2B-72E2-952B063280E3}"/>
-          </ac:spMkLst>
-        </pc:spChg>
-        <pc:spChg chg="del">
-          <ac:chgData name="julia barboza" userId="1e17e4f12c7a3f3b" providerId="LiveId" clId="{084B5BE9-428C-4CA4-8431-1A9185973062}" dt="2023-03-01T20:23:21.049" v="85" actId="478"/>
-          <ac:spMkLst>
-            <pc:docMk/>
-            <pc:sldMk cId="1463147037" sldId="256"/>
-            <ac:spMk id="7" creationId="{2B4DE559-3681-BA71-0EB1-B89390B94AF9}"/>
-          </ac:spMkLst>
-        </pc:spChg>
-        <pc:spChg chg="mod">
-          <ac:chgData name="julia barboza" userId="1e17e4f12c7a3f3b" providerId="LiveId" clId="{084B5BE9-428C-4CA4-8431-1A9185973062}" dt="2023-03-03T21:59:21.075" v="1102" actId="207"/>
-          <ac:spMkLst>
-            <pc:docMk/>
-            <pc:sldMk cId="1463147037" sldId="256"/>
-            <ac:spMk id="8" creationId="{442C8386-2DE9-0B3E-1462-38148A88CEB1}"/>
-          </ac:spMkLst>
-        </pc:spChg>
-        <pc:spChg chg="mod">
-          <ac:chgData name="julia barboza" userId="1e17e4f12c7a3f3b" providerId="LiveId" clId="{084B5BE9-428C-4CA4-8431-1A9185973062}" dt="2023-03-03T21:59:15.628" v="1101" actId="207"/>
-          <ac:spMkLst>
-            <pc:docMk/>
-            <pc:sldMk cId="1463147037" sldId="256"/>
-            <ac:spMk id="9" creationId="{93F1A389-1515-32F3-91D8-28EEAFDDA954}"/>
-          </ac:spMkLst>
-        </pc:spChg>
-        <pc:spChg chg="del mod">
-          <ac:chgData name="julia barboza" userId="1e17e4f12c7a3f3b" providerId="LiveId" clId="{084B5BE9-428C-4CA4-8431-1A9185973062}" dt="2023-03-01T20:23:21.049" v="85" actId="478"/>
-          <ac:spMkLst>
-            <pc:docMk/>
-            <pc:sldMk cId="1463147037" sldId="256"/>
-            <ac:spMk id="10" creationId="{E6C5B663-DED7-9845-0189-FAC878AD96D4}"/>
-          </ac:spMkLst>
-        </pc:spChg>
-        <pc:spChg chg="mod">
-          <ac:chgData name="julia barboza" userId="1e17e4f12c7a3f3b" providerId="LiveId" clId="{084B5BE9-428C-4CA4-8431-1A9185973062}" dt="2023-03-01T20:28:00.581" v="547" actId="20577"/>
-          <ac:spMkLst>
-            <pc:docMk/>
-            <pc:sldMk cId="1463147037" sldId="256"/>
-            <ac:spMk id="12" creationId="{69E7DE4B-BFBD-29A3-05DA-DBBD92BF0BC5}"/>
-          </ac:spMkLst>
-        </pc:spChg>
-        <pc:spChg chg="del">
-          <ac:chgData name="julia barboza" userId="1e17e4f12c7a3f3b" providerId="LiveId" clId="{084B5BE9-428C-4CA4-8431-1A9185973062}" dt="2023-03-01T20:23:21.049" v="85" actId="478"/>
-          <ac:spMkLst>
-            <pc:docMk/>
-            <pc:sldMk cId="1463147037" sldId="256"/>
-            <ac:spMk id="22" creationId="{A2223250-8E62-42DB-FE3A-53F8604409B4}"/>
-          </ac:spMkLst>
-        </pc:spChg>
-        <pc:spChg chg="mod">
-          <ac:chgData name="julia barboza" userId="1e17e4f12c7a3f3b" providerId="LiveId" clId="{084B5BE9-428C-4CA4-8431-1A9185973062}" dt="2023-03-03T22:00:12.101" v="1108" actId="14100"/>
-          <ac:spMkLst>
-            <pc:docMk/>
-            <pc:sldMk cId="1463147037" sldId="256"/>
-            <ac:spMk id="24" creationId="{43AFDA21-9E71-CF4F-E152-8999BE677925}"/>
-          </ac:spMkLst>
-        </pc:spChg>
-        <pc:spChg chg="mod">
-          <ac:chgData name="julia barboza" userId="1e17e4f12c7a3f3b" providerId="LiveId" clId="{084B5BE9-428C-4CA4-8431-1A9185973062}" dt="2023-03-01T20:24:36.804" v="127" actId="20577"/>
-          <ac:spMkLst>
-            <pc:docMk/>
-            <pc:sldMk cId="1463147037" sldId="256"/>
-            <ac:spMk id="25" creationId="{DA885791-B7D2-097B-995C-2C318E71B1C1}"/>
-          </ac:spMkLst>
-        </pc:spChg>
-        <pc:spChg chg="del">
-          <ac:chgData name="julia barboza" userId="1e17e4f12c7a3f3b" providerId="LiveId" clId="{084B5BE9-428C-4CA4-8431-1A9185973062}" dt="2023-03-01T20:23:21.049" v="85" actId="478"/>
-          <ac:spMkLst>
-            <pc:docMk/>
-            <pc:sldMk cId="1463147037" sldId="256"/>
-            <ac:spMk id="26" creationId="{C61B8C7C-F347-4DB8-04B5-93CBAF9A33D0}"/>
-          </ac:spMkLst>
-        </pc:spChg>
-        <pc:spChg chg="del">
-          <ac:chgData name="julia barboza" userId="1e17e4f12c7a3f3b" providerId="LiveId" clId="{084B5BE9-428C-4CA4-8431-1A9185973062}" dt="2023-03-01T20:23:21.049" v="85" actId="478"/>
-          <ac:spMkLst>
-            <pc:docMk/>
-            <pc:sldMk cId="1463147037" sldId="256"/>
-            <ac:spMk id="27" creationId="{E0DF8F80-1F82-89AA-67F8-89FD8BA527A8}"/>
-          </ac:spMkLst>
-        </pc:spChg>
-        <pc:spChg chg="mod">
-          <ac:chgData name="julia barboza" userId="1e17e4f12c7a3f3b" providerId="LiveId" clId="{084B5BE9-428C-4CA4-8431-1A9185973062}" dt="2023-03-01T20:39:15.270" v="1099" actId="20577"/>
-          <ac:spMkLst>
-            <pc:docMk/>
-            <pc:sldMk cId="1463147037" sldId="256"/>
-            <ac:spMk id="28" creationId="{9E24E709-F326-0551-92DC-305085CAE25D}"/>
-          </ac:spMkLst>
-        </pc:spChg>
-        <pc:spChg chg="mod">
-          <ac:chgData name="julia barboza" userId="1e17e4f12c7a3f3b" providerId="LiveId" clId="{084B5BE9-428C-4CA4-8431-1A9185973062}" dt="2023-03-01T20:31:05.251" v="1032" actId="20577"/>
-          <ac:spMkLst>
-            <pc:docMk/>
-            <pc:sldMk cId="1463147037" sldId="256"/>
-            <ac:spMk id="29" creationId="{C345C8D0-BF4A-F313-DBCA-0424BD3F0097}"/>
-          </ac:spMkLst>
-        </pc:spChg>
-        <pc:spChg chg="mod">
-          <ac:chgData name="julia barboza" userId="1e17e4f12c7a3f3b" providerId="LiveId" clId="{084B5BE9-428C-4CA4-8431-1A9185973062}" dt="2023-03-01T20:29:51.439" v="806" actId="20577"/>
-          <ac:spMkLst>
-            <pc:docMk/>
-            <pc:sldMk cId="1463147037" sldId="256"/>
-            <ac:spMk id="30" creationId="{34E34A10-F841-34C1-5C8B-F45D82F55311}"/>
-          </ac:spMkLst>
-        </pc:spChg>
-      </pc:sldChg>
-    </pc:docChg>
-  </pc:docChgLst>
-  <pc:docChgLst>
-    <pc:chgData name="Usuário Convidado" providerId="Windows Live" clId="Web-{577C96C3-D90C-417C-899B-0FDC8597353B}"/>
-    <pc:docChg chg="modSld">
-      <pc:chgData name="Usuário Convidado" userId="" providerId="Windows Live" clId="Web-{577C96C3-D90C-417C-899B-0FDC8597353B}" dt="2023-02-28T23:21:25.234" v="71" actId="20577"/>
-      <pc:docMkLst>
-        <pc:docMk/>
-      </pc:docMkLst>
-      <pc:sldChg chg="modSp">
-        <pc:chgData name="Usuário Convidado" userId="" providerId="Windows Live" clId="Web-{577C96C3-D90C-417C-899B-0FDC8597353B}" dt="2023-02-28T23:21:25.234" v="71" actId="20577"/>
-        <pc:sldMkLst>
-          <pc:docMk/>
-          <pc:sldMk cId="1463147037" sldId="256"/>
-        </pc:sldMkLst>
-        <pc:spChg chg="mod">
-          <ac:chgData name="Usuário Convidado" userId="" providerId="Windows Live" clId="Web-{577C96C3-D90C-417C-899B-0FDC8597353B}" dt="2023-02-28T23:15:23.862" v="7" actId="14100"/>
-          <ac:spMkLst>
-            <pc:docMk/>
-            <pc:sldMk cId="1463147037" sldId="256"/>
-            <ac:spMk id="12" creationId="{69E7DE4B-BFBD-29A3-05DA-DBBD92BF0BC5}"/>
-          </ac:spMkLst>
-        </pc:spChg>
-        <pc:spChg chg="mod">
-          <ac:chgData name="Usuário Convidado" userId="" providerId="Windows Live" clId="Web-{577C96C3-D90C-417C-899B-0FDC8597353B}" dt="2023-02-28T23:20:44.483" v="64" actId="14100"/>
-          <ac:spMkLst>
-            <pc:docMk/>
-            <pc:sldMk cId="1463147037" sldId="256"/>
-            <ac:spMk id="22" creationId="{A2223250-8E62-42DB-FE3A-53F8604409B4}"/>
-          </ac:spMkLst>
-        </pc:spChg>
-        <pc:spChg chg="mod">
-          <ac:chgData name="Usuário Convidado" userId="" providerId="Windows Live" clId="Web-{577C96C3-D90C-417C-899B-0FDC8597353B}" dt="2023-02-28T23:19:48.887" v="56" actId="14100"/>
-          <ac:spMkLst>
-            <pc:docMk/>
-            <pc:sldMk cId="1463147037" sldId="256"/>
-            <ac:spMk id="24" creationId="{43AFDA21-9E71-CF4F-E152-8999BE677925}"/>
-          </ac:spMkLst>
-        </pc:spChg>
-        <pc:spChg chg="mod">
-          <ac:chgData name="Usuário Convidado" userId="" providerId="Windows Live" clId="Web-{577C96C3-D90C-417C-899B-0FDC8597353B}" dt="2023-02-28T23:19:24.292" v="49" actId="14100"/>
-          <ac:spMkLst>
-            <pc:docMk/>
-            <pc:sldMk cId="1463147037" sldId="256"/>
-            <ac:spMk id="25" creationId="{DA885791-B7D2-097B-995C-2C318E71B1C1}"/>
-          </ac:spMkLst>
-        </pc:spChg>
-        <pc:spChg chg="mod">
-          <ac:chgData name="Usuário Convidado" userId="" providerId="Windows Live" clId="Web-{577C96C3-D90C-417C-899B-0FDC8597353B}" dt="2023-02-28T23:21:25.234" v="71" actId="20577"/>
-          <ac:spMkLst>
-            <pc:docMk/>
-            <pc:sldMk cId="1463147037" sldId="256"/>
-            <ac:spMk id="26" creationId="{C61B8C7C-F347-4DB8-04B5-93CBAF9A33D0}"/>
-          </ac:spMkLst>
-        </pc:spChg>
-        <pc:spChg chg="mod">
-          <ac:chgData name="Usuário Convidado" userId="" providerId="Windows Live" clId="Web-{577C96C3-D90C-417C-899B-0FDC8597353B}" dt="2023-02-28T23:21:03.343" v="67" actId="14100"/>
-          <ac:spMkLst>
-            <pc:docMk/>
-            <pc:sldMk cId="1463147037" sldId="256"/>
-            <ac:spMk id="27" creationId="{E0DF8F80-1F82-89AA-67F8-89FD8BA527A8}"/>
-          </ac:spMkLst>
-        </pc:spChg>
-        <pc:spChg chg="mod">
-          <ac:chgData name="Usuário Convidado" userId="" providerId="Windows Live" clId="Web-{577C96C3-D90C-417C-899B-0FDC8597353B}" dt="2023-02-28T23:20:17.778" v="61" actId="14100"/>
-          <ac:spMkLst>
-            <pc:docMk/>
-            <pc:sldMk cId="1463147037" sldId="256"/>
-            <ac:spMk id="28" creationId="{9E24E709-F326-0551-92DC-305085CAE25D}"/>
-          </ac:spMkLst>
-        </pc:spChg>
-        <pc:spChg chg="mod">
-          <ac:chgData name="Usuário Convidado" userId="" providerId="Windows Live" clId="Web-{577C96C3-D90C-417C-899B-0FDC8597353B}" dt="2023-02-28T23:18:41.853" v="40" actId="14100"/>
-          <ac:spMkLst>
-            <pc:docMk/>
-            <pc:sldMk cId="1463147037" sldId="256"/>
-            <ac:spMk id="29" creationId="{C345C8D0-BF4A-F313-DBCA-0424BD3F0097}"/>
-          </ac:spMkLst>
-        </pc:spChg>
-        <pc:spChg chg="mod">
-          <ac:chgData name="Usuário Convidado" userId="" providerId="Windows Live" clId="Web-{577C96C3-D90C-417C-899B-0FDC8597353B}" dt="2023-02-28T23:17:47.476" v="19" actId="14100"/>
-          <ac:spMkLst>
-            <pc:docMk/>
-            <pc:sldMk cId="1463147037" sldId="256"/>
-            <ac:spMk id="30" creationId="{34E34A10-F841-34C1-5C8B-F45D82F55311}"/>
-          </ac:spMkLst>
-        </pc:spChg>
-      </pc:sldChg>
-    </pc:docChg>
-  </pc:docChgLst>
-</pc:chgInfo>
+<file path=ppt/notesSlides/notesSlide1.xml><?xml version="1.0" encoding="utf-8"?>
+<p:notes xmlns:a="http://schemas.openxmlformats.org/drawingml/2006/main" xmlns:r="http://schemas.openxmlformats.org/officeDocument/2006/relationships" xmlns:p="http://schemas.openxmlformats.org/presentationml/2006/main">
+  <p:cSld>
+    <p:spTree>
+      <p:nvGrpSpPr>
+        <p:cNvPr id="1" name=""/>
+        <p:cNvGrpSpPr/>
+        <p:nvPr/>
+      </p:nvGrpSpPr>
+      <p:grpSpPr>
+        <a:xfrm>
+          <a:off x="0" y="0"/>
+          <a:ext cx="0" cy="0"/>
+          <a:chOff x="0" y="0"/>
+          <a:chExt cx="0" cy="0"/>
+        </a:xfrm>
+      </p:grpSpPr>
+      <p:sp>
+        <p:nvSpPr>
+          <p:cNvPr id="2" name="Espaço Reservado para Imagem de Slide 1"/>
+          <p:cNvSpPr>
+            <a:spLocks noGrp="1" noRot="1" noChangeAspect="1"/>
+          </p:cNvSpPr>
+          <p:nvPr>
+            <p:ph type="sldImg"/>
+          </p:nvPr>
+        </p:nvSpPr>
+        <p:spPr/>
+      </p:sp>
+      <p:sp>
+        <p:nvSpPr>
+          <p:cNvPr id="3" name="Espaço Reservado para Anotações 2"/>
+          <p:cNvSpPr>
+            <a:spLocks noGrp="1"/>
+          </p:cNvSpPr>
+          <p:nvPr>
+            <p:ph type="body" idx="1"/>
+          </p:nvPr>
+        </p:nvSpPr>
+        <p:spPr/>
+        <p:txBody>
+          <a:bodyPr/>
+          <a:lstStyle/>
+          <a:p>
+            <a:endParaRPr lang="pt-BR" dirty="0"/>
+          </a:p>
+        </p:txBody>
+      </p:sp>
+      <p:sp>
+        <p:nvSpPr>
+          <p:cNvPr id="4" name="Espaço Reservado para Número de Slide 3"/>
+          <p:cNvSpPr>
+            <a:spLocks noGrp="1"/>
+          </p:cNvSpPr>
+          <p:nvPr>
+            <p:ph type="sldNum" sz="quarter" idx="5"/>
+          </p:nvPr>
+        </p:nvSpPr>
+        <p:spPr/>
+        <p:txBody>
+          <a:bodyPr/>
+          <a:lstStyle/>
+          <a:p>
+            <a:fld id="{FCD6878C-901C-4D1B-9806-095012CFE433}" type="slidenum">
+              <a:rPr lang="pt-BR" smtClean="0"/>
+              <a:t>1</a:t>
+            </a:fld>
+            <a:endParaRPr lang="pt-BR"/>
+          </a:p>
+        </p:txBody>
+      </p:sp>
+    </p:spTree>
+    <p:extLst>
+      <p:ext uri="{BB962C8B-B14F-4D97-AF65-F5344CB8AC3E}">
+        <p14:creationId xmlns:p14="http://schemas.microsoft.com/office/powerpoint/2010/main" val="1956234876"/>
+      </p:ext>
+    </p:extLst>
+  </p:cSld>
+  <p:clrMapOvr>
+    <a:masterClrMapping/>
+  </p:clrMapOvr>
+</p:notes>
 </file>
 
 <file path=ppt/slideLayouts/slideLayout1.xml><?xml version="1.0" encoding="utf-8"?>
@@ -1560,7 +1752,7 @@
           <a:p>
             <a:fld id="{E3C1FE5E-BD9C-45B0-A683-422F2FE8D84B}" type="datetimeFigureOut">
               <a:rPr lang="pt-BR" smtClean="0"/>
-              <a:t>03/03/2023</a:t>
+              <a:t>24/03/2023</a:t>
             </a:fld>
             <a:endParaRPr lang="pt-BR"/>
           </a:p>
@@ -1798,7 +1990,7 @@
           <a:p>
             <a:fld id="{E3C1FE5E-BD9C-45B0-A683-422F2FE8D84B}" type="datetimeFigureOut">
               <a:rPr lang="pt-BR" smtClean="0"/>
-              <a:t>03/03/2023</a:t>
+              <a:t>24/03/2023</a:t>
             </a:fld>
             <a:endParaRPr lang="pt-BR"/>
           </a:p>
@@ -1978,7 +2170,7 @@
           <a:p>
             <a:fld id="{E3C1FE5E-BD9C-45B0-A683-422F2FE8D84B}" type="datetimeFigureOut">
               <a:rPr lang="pt-BR" smtClean="0"/>
-              <a:t>03/03/2023</a:t>
+              <a:t>24/03/2023</a:t>
             </a:fld>
             <a:endParaRPr lang="pt-BR"/>
           </a:p>
@@ -2148,7 +2340,7 @@
           <a:p>
             <a:fld id="{E3C1FE5E-BD9C-45B0-A683-422F2FE8D84B}" type="datetimeFigureOut">
               <a:rPr lang="pt-BR" smtClean="0"/>
-              <a:t>03/03/2023</a:t>
+              <a:t>24/03/2023</a:t>
             </a:fld>
             <a:endParaRPr lang="pt-BR"/>
           </a:p>
@@ -2416,7 +2608,7 @@
           <a:p>
             <a:fld id="{E3C1FE5E-BD9C-45B0-A683-422F2FE8D84B}" type="datetimeFigureOut">
               <a:rPr lang="pt-BR" smtClean="0"/>
-              <a:t>03/03/2023</a:t>
+              <a:t>24/03/2023</a:t>
             </a:fld>
             <a:endParaRPr lang="pt-BR"/>
           </a:p>
@@ -3617,7 +3809,7 @@
           <a:p>
             <a:fld id="{E3C1FE5E-BD9C-45B0-A683-422F2FE8D84B}" type="datetimeFigureOut">
               <a:rPr lang="pt-BR" smtClean="0"/>
-              <a:t>03/03/2023</a:t>
+              <a:t>24/03/2023</a:t>
             </a:fld>
             <a:endParaRPr lang="pt-BR"/>
           </a:p>
@@ -4007,7 +4199,7 @@
           <a:p>
             <a:fld id="{E3C1FE5E-BD9C-45B0-A683-422F2FE8D84B}" type="datetimeFigureOut">
               <a:rPr lang="pt-BR" smtClean="0"/>
-              <a:t>03/03/2023</a:t>
+              <a:t>24/03/2023</a:t>
             </a:fld>
             <a:endParaRPr lang="pt-BR"/>
           </a:p>
@@ -4130,7 +4322,7 @@
           <a:p>
             <a:fld id="{E3C1FE5E-BD9C-45B0-A683-422F2FE8D84B}" type="datetimeFigureOut">
               <a:rPr lang="pt-BR" smtClean="0"/>
-              <a:t>03/03/2023</a:t>
+              <a:t>24/03/2023</a:t>
             </a:fld>
             <a:endParaRPr lang="pt-BR"/>
           </a:p>
@@ -4225,7 +4417,7 @@
           <a:p>
             <a:fld id="{E3C1FE5E-BD9C-45B0-A683-422F2FE8D84B}" type="datetimeFigureOut">
               <a:rPr lang="pt-BR" smtClean="0"/>
-              <a:t>03/03/2023</a:t>
+              <a:t>24/03/2023</a:t>
             </a:fld>
             <a:endParaRPr lang="pt-BR"/>
           </a:p>
@@ -4988,7 +5180,7 @@
           <a:p>
             <a:fld id="{E3C1FE5E-BD9C-45B0-A683-422F2FE8D84B}" type="datetimeFigureOut">
               <a:rPr lang="pt-BR" smtClean="0"/>
-              <a:t>03/03/2023</a:t>
+              <a:t>24/03/2023</a:t>
             </a:fld>
             <a:endParaRPr lang="pt-BR"/>
           </a:p>
@@ -5828,7 +6020,7 @@
           <a:p>
             <a:fld id="{E3C1FE5E-BD9C-45B0-A683-422F2FE8D84B}" type="datetimeFigureOut">
               <a:rPr lang="pt-BR" smtClean="0"/>
-              <a:t>03/03/2023</a:t>
+              <a:t>24/03/2023</a:t>
             </a:fld>
             <a:endParaRPr lang="pt-BR"/>
           </a:p>
@@ -6052,7 +6244,7 @@
           <a:p>
             <a:fld id="{E3C1FE5E-BD9C-45B0-A683-422F2FE8D84B}" type="datetimeFigureOut">
               <a:rPr lang="pt-BR" smtClean="0"/>
-              <a:t>03/03/2023</a:t>
+              <a:t>24/03/2023</a:t>
             </a:fld>
             <a:endParaRPr lang="pt-BR"/>
           </a:p>
@@ -7105,10 +7297,10 @@
       </p:sp>
       <p:sp>
         <p:nvSpPr>
-          <p:cNvPr id="5" name="Retângulo 4">
+          <p:cNvPr id="15" name="Retângulo 14">
             <a:extLst>
               <a:ext uri="{FF2B5EF4-FFF2-40B4-BE49-F238E27FC236}">
-                <a16:creationId xmlns:a16="http://schemas.microsoft.com/office/drawing/2014/main" id="{1A8CC540-8C63-FEDB-5843-61BEBCD4014B}"/>
+                <a16:creationId xmlns:a16="http://schemas.microsoft.com/office/drawing/2014/main" id="{3C34FBC7-3F9A-34CB-3454-34A2111C9079}"/>
               </a:ext>
             </a:extLst>
           </p:cNvPr>
@@ -7117,8 +7309,8 @@
         </p:nvSpPr>
         <p:spPr>
           <a:xfrm>
-            <a:off x="1710468" y="1607124"/>
-            <a:ext cx="3311237" cy="4959927"/>
+            <a:off x="1182407" y="1349935"/>
+            <a:ext cx="9827187" cy="5259142"/>
           </a:xfrm>
           <a:prstGeom prst="rect">
             <a:avLst/>
@@ -7154,10 +7346,10 @@
       </p:sp>
       <p:sp>
         <p:nvSpPr>
-          <p:cNvPr id="6" name="Retângulo 5">
+          <p:cNvPr id="16" name="Retângulo 15">
             <a:extLst>
               <a:ext uri="{FF2B5EF4-FFF2-40B4-BE49-F238E27FC236}">
-                <a16:creationId xmlns:a16="http://schemas.microsoft.com/office/drawing/2014/main" id="{B83FCEB0-B3BB-CD2B-72E2-952B063280E3}"/>
+                <a16:creationId xmlns:a16="http://schemas.microsoft.com/office/drawing/2014/main" id="{6AD207EB-9053-D7B3-36E2-F28DFB10F682}"/>
               </a:ext>
             </a:extLst>
           </p:cNvPr>
@@ -7166,8 +7358,516 @@
         </p:nvSpPr>
         <p:spPr>
           <a:xfrm>
-            <a:off x="6898766" y="1682072"/>
-            <a:ext cx="3311237" cy="4959927"/>
+            <a:off x="1182407" y="1349935"/>
+            <a:ext cx="9827186" cy="461824"/>
+          </a:xfrm>
+          <a:prstGeom prst="rect">
+            <a:avLst/>
+          </a:prstGeom>
+          <a:solidFill>
+            <a:srgbClr val="4C4C9D"/>
+          </a:solidFill>
+        </p:spPr>
+        <p:style>
+          <a:lnRef idx="2">
+            <a:schemeClr val="accent6">
+              <a:shade val="50000"/>
+            </a:schemeClr>
+          </a:lnRef>
+          <a:fillRef idx="1">
+            <a:schemeClr val="accent6"/>
+          </a:fillRef>
+          <a:effectRef idx="0">
+            <a:schemeClr val="accent6"/>
+          </a:effectRef>
+          <a:fontRef idx="minor">
+            <a:schemeClr val="lt1"/>
+          </a:fontRef>
+        </p:style>
+        <p:txBody>
+          <a:bodyPr rtlCol="0" anchor="ctr"/>
+          <a:lstStyle/>
+          <a:p>
+            <a:pPr algn="ctr"/>
+            <a:r>
+              <a:rPr lang="pt-BR" dirty="0"/>
+              <a:t>Comprador de filhotes</a:t>
+            </a:r>
+          </a:p>
+        </p:txBody>
+      </p:sp>
+      <p:sp>
+        <p:nvSpPr>
+          <p:cNvPr id="17" name="Retângulo 16">
+            <a:extLst>
+              <a:ext uri="{FF2B5EF4-FFF2-40B4-BE49-F238E27FC236}">
+                <a16:creationId xmlns:a16="http://schemas.microsoft.com/office/drawing/2014/main" id="{723A8875-1CA5-29F0-CB09-0DC1B270B2BB}"/>
+              </a:ext>
+            </a:extLst>
+          </p:cNvPr>
+          <p:cNvSpPr/>
+          <p:nvPr/>
+        </p:nvSpPr>
+        <p:spPr>
+          <a:xfrm>
+            <a:off x="6198857" y="2938539"/>
+            <a:ext cx="3909512" cy="1353198"/>
+          </a:xfrm>
+          <a:prstGeom prst="rect">
+            <a:avLst/>
+          </a:prstGeom>
+          <a:solidFill>
+            <a:srgbClr val="F1F1F1"/>
+          </a:solidFill>
+        </p:spPr>
+        <p:style>
+          <a:lnRef idx="1">
+            <a:schemeClr val="accent2"/>
+          </a:lnRef>
+          <a:fillRef idx="2">
+            <a:schemeClr val="accent2"/>
+          </a:fillRef>
+          <a:effectRef idx="1">
+            <a:schemeClr val="accent2"/>
+          </a:effectRef>
+          <a:fontRef idx="minor">
+            <a:schemeClr val="dk1"/>
+          </a:fontRef>
+        </p:style>
+        <p:txBody>
+          <a:bodyPr lIns="91440" tIns="45720" rIns="91440" bIns="45720" rtlCol="0" anchor="ctr"/>
+          <a:lstStyle/>
+          <a:p>
+            <a:pPr algn="ctr"/>
+            <a:r>
+              <a:rPr lang="pt-BR" sz="1600" dirty="0">
+                <a:ea typeface="+mn-lt"/>
+                <a:cs typeface="+mn-lt"/>
+              </a:rPr>
+              <a:t>Eu como comprador quero informações precisas sobre a origem do filhote, pois quero ter filhotes saudáveis.</a:t>
+            </a:r>
+            <a:endParaRPr lang="pt-BR" sz="1600" dirty="0"/>
+          </a:p>
+        </p:txBody>
+      </p:sp>
+      <p:sp>
+        <p:nvSpPr>
+          <p:cNvPr id="18" name="Retângulo 17">
+            <a:extLst>
+              <a:ext uri="{FF2B5EF4-FFF2-40B4-BE49-F238E27FC236}">
+                <a16:creationId xmlns:a16="http://schemas.microsoft.com/office/drawing/2014/main" id="{77F825A9-92F9-A616-2A35-B9EA01C0C6E2}"/>
+              </a:ext>
+            </a:extLst>
+          </p:cNvPr>
+          <p:cNvSpPr/>
+          <p:nvPr/>
+        </p:nvSpPr>
+        <p:spPr>
+          <a:xfrm>
+            <a:off x="1439739" y="2051934"/>
+            <a:ext cx="3890991" cy="1353198"/>
+          </a:xfrm>
+          <a:prstGeom prst="rect">
+            <a:avLst/>
+          </a:prstGeom>
+          <a:solidFill>
+            <a:srgbClr val="D0D0CF"/>
+          </a:solidFill>
+        </p:spPr>
+        <p:style>
+          <a:lnRef idx="1">
+            <a:schemeClr val="accent2"/>
+          </a:lnRef>
+          <a:fillRef idx="2">
+            <a:schemeClr val="accent2"/>
+          </a:fillRef>
+          <a:effectRef idx="1">
+            <a:schemeClr val="accent2"/>
+          </a:effectRef>
+          <a:fontRef idx="minor">
+            <a:schemeClr val="dk1"/>
+          </a:fontRef>
+        </p:style>
+        <p:txBody>
+          <a:bodyPr lIns="91440" tIns="45720" rIns="91440" bIns="45720" rtlCol="0" anchor="ctr"/>
+          <a:lstStyle/>
+          <a:p>
+            <a:pPr algn="ctr"/>
+            <a:r>
+              <a:rPr lang="pt-BR" sz="1700" dirty="0">
+                <a:ea typeface="+mn-lt"/>
+                <a:cs typeface="+mn-lt"/>
+              </a:rPr>
+              <a:t>Eu como comprador quero praticidade na hora de selecionar um bom cuidador, pois não quero burocracia, demora e nem sair de casa.</a:t>
+            </a:r>
+          </a:p>
+        </p:txBody>
+      </p:sp>
+      <p:sp>
+        <p:nvSpPr>
+          <p:cNvPr id="19" name="Retângulo 18">
+            <a:extLst>
+              <a:ext uri="{FF2B5EF4-FFF2-40B4-BE49-F238E27FC236}">
+                <a16:creationId xmlns:a16="http://schemas.microsoft.com/office/drawing/2014/main" id="{2019D21E-BDEA-9F24-C13F-CFEA3657B300}"/>
+              </a:ext>
+            </a:extLst>
+          </p:cNvPr>
+          <p:cNvSpPr/>
+          <p:nvPr/>
+        </p:nvSpPr>
+        <p:spPr>
+          <a:xfrm>
+            <a:off x="1457727" y="4176938"/>
+            <a:ext cx="3909512" cy="1278315"/>
+          </a:xfrm>
+          <a:prstGeom prst="rect">
+            <a:avLst/>
+          </a:prstGeom>
+          <a:solidFill>
+            <a:srgbClr val="D3D3D2"/>
+          </a:solidFill>
+        </p:spPr>
+        <p:style>
+          <a:lnRef idx="1">
+            <a:schemeClr val="accent2"/>
+          </a:lnRef>
+          <a:fillRef idx="2">
+            <a:schemeClr val="accent2"/>
+          </a:fillRef>
+          <a:effectRef idx="1">
+            <a:schemeClr val="accent2"/>
+          </a:effectRef>
+          <a:fontRef idx="minor">
+            <a:schemeClr val="dk1"/>
+          </a:fontRef>
+        </p:style>
+        <p:txBody>
+          <a:bodyPr lIns="91440" tIns="45720" rIns="91440" bIns="45720" rtlCol="0" anchor="ctr"/>
+          <a:lstStyle/>
+          <a:p>
+            <a:pPr algn="ctr"/>
+            <a:r>
+              <a:rPr lang="pt-BR" sz="1700" dirty="0">
+                <a:ea typeface="+mn-lt"/>
+                <a:cs typeface="+mn-lt"/>
+              </a:rPr>
+              <a:t>Eu como comprador quero um profissional com experiência e que preze pela saúde dos filhotes, pois quero ter facilidade na hora da compra.</a:t>
+            </a:r>
+            <a:endParaRPr lang="pt-BR" sz="1700" dirty="0"/>
+          </a:p>
+        </p:txBody>
+      </p:sp>
+      <p:sp>
+        <p:nvSpPr>
+          <p:cNvPr id="20" name="Retângulo 19">
+            <a:extLst>
+              <a:ext uri="{FF2B5EF4-FFF2-40B4-BE49-F238E27FC236}">
+                <a16:creationId xmlns:a16="http://schemas.microsoft.com/office/drawing/2014/main" id="{D29EF6D6-9430-BBE1-16C5-43D71F8D64E2}"/>
+              </a:ext>
+            </a:extLst>
+          </p:cNvPr>
+          <p:cNvSpPr/>
+          <p:nvPr/>
+        </p:nvSpPr>
+        <p:spPr>
+          <a:xfrm>
+            <a:off x="5407460" y="2051934"/>
+            <a:ext cx="560766" cy="1353198"/>
+          </a:xfrm>
+          <a:prstGeom prst="rect">
+            <a:avLst/>
+          </a:prstGeom>
+          <a:solidFill>
+            <a:srgbClr val="D0D0CF"/>
+          </a:solidFill>
+        </p:spPr>
+        <p:style>
+          <a:lnRef idx="1">
+            <a:schemeClr val="accent2"/>
+          </a:lnRef>
+          <a:fillRef idx="2">
+            <a:schemeClr val="accent2"/>
+          </a:fillRef>
+          <a:effectRef idx="1">
+            <a:schemeClr val="accent2"/>
+          </a:effectRef>
+          <a:fontRef idx="minor">
+            <a:schemeClr val="dk1"/>
+          </a:fontRef>
+        </p:style>
+        <p:txBody>
+          <a:bodyPr lIns="91440" tIns="45720" rIns="91440" bIns="45720" rtlCol="0" anchor="ctr"/>
+          <a:lstStyle/>
+          <a:p>
+            <a:pPr algn="ctr"/>
+            <a:r>
+              <a:rPr lang="pt-BR" sz="1700" dirty="0">
+                <a:ea typeface="+mn-lt"/>
+                <a:cs typeface="+mn-lt"/>
+              </a:rPr>
+              <a:t>US01</a:t>
+            </a:r>
+          </a:p>
+        </p:txBody>
+      </p:sp>
+      <p:sp>
+        <p:nvSpPr>
+          <p:cNvPr id="21" name="Retângulo 20">
+            <a:extLst>
+              <a:ext uri="{FF2B5EF4-FFF2-40B4-BE49-F238E27FC236}">
+                <a16:creationId xmlns:a16="http://schemas.microsoft.com/office/drawing/2014/main" id="{448197C9-62A1-22F5-2D02-8155E96B6656}"/>
+              </a:ext>
+            </a:extLst>
+          </p:cNvPr>
+          <p:cNvSpPr/>
+          <p:nvPr/>
+        </p:nvSpPr>
+        <p:spPr>
+          <a:xfrm>
+            <a:off x="10160178" y="2937166"/>
+            <a:ext cx="560766" cy="1353198"/>
+          </a:xfrm>
+          <a:prstGeom prst="rect">
+            <a:avLst/>
+          </a:prstGeom>
+          <a:solidFill>
+            <a:srgbClr val="F1F1F1"/>
+          </a:solidFill>
+        </p:spPr>
+        <p:style>
+          <a:lnRef idx="1">
+            <a:schemeClr val="accent2"/>
+          </a:lnRef>
+          <a:fillRef idx="2">
+            <a:schemeClr val="accent2"/>
+          </a:fillRef>
+          <a:effectRef idx="1">
+            <a:schemeClr val="accent2"/>
+          </a:effectRef>
+          <a:fontRef idx="minor">
+            <a:schemeClr val="dk1"/>
+          </a:fontRef>
+        </p:style>
+        <p:txBody>
+          <a:bodyPr lIns="91440" tIns="45720" rIns="91440" bIns="45720" rtlCol="0" anchor="ctr"/>
+          <a:lstStyle/>
+          <a:p>
+            <a:pPr algn="ctr"/>
+            <a:r>
+              <a:rPr lang="pt-BR" sz="1700" dirty="0">
+                <a:ea typeface="+mn-lt"/>
+                <a:cs typeface="+mn-lt"/>
+              </a:rPr>
+              <a:t>US02</a:t>
+            </a:r>
+          </a:p>
+        </p:txBody>
+      </p:sp>
+      <p:sp>
+        <p:nvSpPr>
+          <p:cNvPr id="22" name="Retângulo 21">
+            <a:extLst>
+              <a:ext uri="{FF2B5EF4-FFF2-40B4-BE49-F238E27FC236}">
+                <a16:creationId xmlns:a16="http://schemas.microsoft.com/office/drawing/2014/main" id="{FACE9931-0F88-5B22-FEB7-952342B0699F}"/>
+              </a:ext>
+            </a:extLst>
+          </p:cNvPr>
+          <p:cNvSpPr/>
+          <p:nvPr/>
+        </p:nvSpPr>
+        <p:spPr>
+          <a:xfrm>
+            <a:off x="5432378" y="4165187"/>
+            <a:ext cx="560766" cy="1290066"/>
+          </a:xfrm>
+          <a:prstGeom prst="rect">
+            <a:avLst/>
+          </a:prstGeom>
+          <a:solidFill>
+            <a:srgbClr val="D0D0CF"/>
+          </a:solidFill>
+        </p:spPr>
+        <p:style>
+          <a:lnRef idx="1">
+            <a:schemeClr val="accent2"/>
+          </a:lnRef>
+          <a:fillRef idx="2">
+            <a:schemeClr val="accent2"/>
+          </a:fillRef>
+          <a:effectRef idx="1">
+            <a:schemeClr val="accent2"/>
+          </a:effectRef>
+          <a:fontRef idx="minor">
+            <a:schemeClr val="dk1"/>
+          </a:fontRef>
+        </p:style>
+        <p:txBody>
+          <a:bodyPr lIns="91440" tIns="45720" rIns="91440" bIns="45720" rtlCol="0" anchor="ctr"/>
+          <a:lstStyle/>
+          <a:p>
+            <a:pPr algn="ctr"/>
+            <a:r>
+              <a:rPr lang="pt-BR" sz="1700" dirty="0">
+                <a:ea typeface="+mn-lt"/>
+                <a:cs typeface="+mn-lt"/>
+              </a:rPr>
+              <a:t>US03</a:t>
+            </a:r>
+          </a:p>
+        </p:txBody>
+      </p:sp>
+      <p:sp>
+        <p:nvSpPr>
+          <p:cNvPr id="26" name="Retângulo 25">
+            <a:extLst>
+              <a:ext uri="{FF2B5EF4-FFF2-40B4-BE49-F238E27FC236}">
+                <a16:creationId xmlns:a16="http://schemas.microsoft.com/office/drawing/2014/main" id="{9BEB3E49-1A46-6A1D-7285-28350F7BCE27}"/>
+              </a:ext>
+            </a:extLst>
+          </p:cNvPr>
+          <p:cNvSpPr/>
+          <p:nvPr/>
+        </p:nvSpPr>
+        <p:spPr>
+          <a:xfrm>
+            <a:off x="6237125" y="5141984"/>
+            <a:ext cx="3890991" cy="1353198"/>
+          </a:xfrm>
+          <a:prstGeom prst="rect">
+            <a:avLst/>
+          </a:prstGeom>
+          <a:solidFill>
+            <a:srgbClr val="F1F1F1"/>
+          </a:solidFill>
+        </p:spPr>
+        <p:style>
+          <a:lnRef idx="1">
+            <a:schemeClr val="accent2"/>
+          </a:lnRef>
+          <a:fillRef idx="2">
+            <a:schemeClr val="accent2"/>
+          </a:fillRef>
+          <a:effectRef idx="1">
+            <a:schemeClr val="accent2"/>
+          </a:effectRef>
+          <a:fontRef idx="minor">
+            <a:schemeClr val="dk1"/>
+          </a:fontRef>
+        </p:style>
+        <p:txBody>
+          <a:bodyPr lIns="91440" tIns="45720" rIns="91440" bIns="45720" rtlCol="0" anchor="ctr"/>
+          <a:lstStyle/>
+          <a:p>
+            <a:pPr algn="ctr"/>
+            <a:r>
+              <a:rPr lang="pt-BR" sz="1700" dirty="0">
+                <a:ea typeface="+mn-lt"/>
+                <a:cs typeface="+mn-lt"/>
+              </a:rPr>
+              <a:t>Eu como comprador quero estar atualizado sobre a minha situação na lista de espera, para ter </a:t>
+            </a:r>
+          </a:p>
+        </p:txBody>
+      </p:sp>
+      <p:sp>
+        <p:nvSpPr>
+          <p:cNvPr id="31" name="Retângulo 30">
+            <a:extLst>
+              <a:ext uri="{FF2B5EF4-FFF2-40B4-BE49-F238E27FC236}">
+                <a16:creationId xmlns:a16="http://schemas.microsoft.com/office/drawing/2014/main" id="{20C6FABD-9D2C-E682-926C-CEAE2FB9510A}"/>
+              </a:ext>
+            </a:extLst>
+          </p:cNvPr>
+          <p:cNvSpPr/>
+          <p:nvPr/>
+        </p:nvSpPr>
+        <p:spPr>
+          <a:xfrm>
+            <a:off x="10204846" y="5141984"/>
+            <a:ext cx="560766" cy="1353198"/>
+          </a:xfrm>
+          <a:prstGeom prst="rect">
+            <a:avLst/>
+          </a:prstGeom>
+          <a:solidFill>
+            <a:srgbClr val="F1F1F1"/>
+          </a:solidFill>
+        </p:spPr>
+        <p:style>
+          <a:lnRef idx="1">
+            <a:schemeClr val="accent2"/>
+          </a:lnRef>
+          <a:fillRef idx="2">
+            <a:schemeClr val="accent2"/>
+          </a:fillRef>
+          <a:effectRef idx="1">
+            <a:schemeClr val="accent2"/>
+          </a:effectRef>
+          <a:fontRef idx="minor">
+            <a:schemeClr val="dk1"/>
+          </a:fontRef>
+        </p:style>
+        <p:txBody>
+          <a:bodyPr lIns="91440" tIns="45720" rIns="91440" bIns="45720" rtlCol="0" anchor="ctr"/>
+          <a:lstStyle/>
+          <a:p>
+            <a:pPr algn="ctr"/>
+            <a:r>
+              <a:rPr lang="pt-BR" sz="1700" dirty="0">
+                <a:ea typeface="+mn-lt"/>
+                <a:cs typeface="+mn-lt"/>
+              </a:rPr>
+              <a:t>US04</a:t>
+            </a:r>
+          </a:p>
+        </p:txBody>
+      </p:sp>
+    </p:spTree>
+    <p:extLst>
+      <p:ext uri="{BB962C8B-B14F-4D97-AF65-F5344CB8AC3E}">
+        <p14:creationId xmlns:p14="http://schemas.microsoft.com/office/powerpoint/2010/main" val="1463147037"/>
+      </p:ext>
+    </p:extLst>
+  </p:cSld>
+  <p:clrMapOvr>
+    <a:masterClrMapping/>
+  </p:clrMapOvr>
+</p:sld>
+</file>
+
+<file path=ppt/slides/slide2.xml><?xml version="1.0" encoding="utf-8"?>
+<p:sld xmlns:a="http://schemas.openxmlformats.org/drawingml/2006/main" xmlns:r="http://schemas.openxmlformats.org/officeDocument/2006/relationships" xmlns:p="http://schemas.openxmlformats.org/presentationml/2006/main">
+  <p:cSld>
+    <p:spTree>
+      <p:nvGrpSpPr>
+        <p:cNvPr id="1" name=""/>
+        <p:cNvGrpSpPr/>
+        <p:nvPr/>
+      </p:nvGrpSpPr>
+      <p:grpSpPr>
+        <a:xfrm>
+          <a:off x="0" y="0"/>
+          <a:ext cx="0" cy="0"/>
+          <a:chOff x="0" y="0"/>
+          <a:chExt cx="0" cy="0"/>
+        </a:xfrm>
+      </p:grpSpPr>
+      <p:sp>
+        <p:nvSpPr>
+          <p:cNvPr id="4" name="Retângulo 3">
+            <a:extLst>
+              <a:ext uri="{FF2B5EF4-FFF2-40B4-BE49-F238E27FC236}">
+                <a16:creationId xmlns:a16="http://schemas.microsoft.com/office/drawing/2014/main" id="{DB93B2C0-420B-B1AE-C585-2E57127E8DBA}"/>
+              </a:ext>
+            </a:extLst>
+          </p:cNvPr>
+          <p:cNvSpPr/>
+          <p:nvPr/>
+        </p:nvSpPr>
+        <p:spPr>
+          <a:xfrm>
+            <a:off x="346363" y="-11355"/>
+            <a:ext cx="11499273" cy="1011381"/>
           </a:xfrm>
           <a:prstGeom prst="rect">
             <a:avLst/>
@@ -7197,16 +7897,19 @@
           <a:lstStyle/>
           <a:p>
             <a:pPr algn="ctr"/>
-            <a:endParaRPr lang="pt-BR"/>
+            <a:r>
+              <a:rPr lang="pt-BR" sz="3200" u="sng" dirty="0"/>
+              <a:t>USER STORY - PedePet</a:t>
+            </a:r>
           </a:p>
         </p:txBody>
       </p:sp>
       <p:sp>
         <p:nvSpPr>
-          <p:cNvPr id="8" name="Retângulo 7">
+          <p:cNvPr id="6" name="Retângulo 5">
             <a:extLst>
               <a:ext uri="{FF2B5EF4-FFF2-40B4-BE49-F238E27FC236}">
-                <a16:creationId xmlns:a16="http://schemas.microsoft.com/office/drawing/2014/main" id="{442C8386-2DE9-0B3E-1462-38148A88CEB1}"/>
+                <a16:creationId xmlns:a16="http://schemas.microsoft.com/office/drawing/2014/main" id="{B83FCEB0-B3BB-CD2B-72E2-952B063280E3}"/>
               </a:ext>
             </a:extLst>
           </p:cNvPr>
@@ -7215,8 +7918,57 @@
         </p:nvSpPr>
         <p:spPr>
           <a:xfrm>
-            <a:off x="1710468" y="1593266"/>
-            <a:ext cx="3311237" cy="443347"/>
+            <a:off x="1182405" y="1247360"/>
+            <a:ext cx="9827187" cy="5259142"/>
+          </a:xfrm>
+          <a:prstGeom prst="rect">
+            <a:avLst/>
+          </a:prstGeom>
+          <a:solidFill>
+            <a:srgbClr val="FB3F08"/>
+          </a:solidFill>
+        </p:spPr>
+        <p:style>
+          <a:lnRef idx="2">
+            <a:schemeClr val="accent1">
+              <a:shade val="50000"/>
+            </a:schemeClr>
+          </a:lnRef>
+          <a:fillRef idx="1">
+            <a:schemeClr val="accent1"/>
+          </a:fillRef>
+          <a:effectRef idx="0">
+            <a:schemeClr val="accent1"/>
+          </a:effectRef>
+          <a:fontRef idx="minor">
+            <a:schemeClr val="lt1"/>
+          </a:fontRef>
+        </p:style>
+        <p:txBody>
+          <a:bodyPr rtlCol="0" anchor="ctr"/>
+          <a:lstStyle/>
+          <a:p>
+            <a:pPr algn="ctr"/>
+            <a:endParaRPr lang="pt-BR"/>
+          </a:p>
+        </p:txBody>
+      </p:sp>
+      <p:sp>
+        <p:nvSpPr>
+          <p:cNvPr id="9" name="Retângulo 8">
+            <a:extLst>
+              <a:ext uri="{FF2B5EF4-FFF2-40B4-BE49-F238E27FC236}">
+                <a16:creationId xmlns:a16="http://schemas.microsoft.com/office/drawing/2014/main" id="{93F1A389-1515-32F3-91D8-28EEAFDDA954}"/>
+              </a:ext>
+            </a:extLst>
+          </p:cNvPr>
+          <p:cNvSpPr/>
+          <p:nvPr/>
+        </p:nvSpPr>
+        <p:spPr>
+          <a:xfrm>
+            <a:off x="1182406" y="1247360"/>
+            <a:ext cx="9827186" cy="461824"/>
           </a:xfrm>
           <a:prstGeom prst="rect">
             <a:avLst/>
@@ -7248,17 +8000,17 @@
             <a:pPr algn="ctr"/>
             <a:r>
               <a:rPr lang="pt-BR" dirty="0"/>
-              <a:t>Comprador de filhotes</a:t>
+              <a:t>Vendedor de filhotes</a:t>
             </a:r>
           </a:p>
         </p:txBody>
       </p:sp>
       <p:sp>
         <p:nvSpPr>
-          <p:cNvPr id="9" name="Retângulo 8">
+          <p:cNvPr id="24" name="Retângulo 23">
             <a:extLst>
               <a:ext uri="{FF2B5EF4-FFF2-40B4-BE49-F238E27FC236}">
-                <a16:creationId xmlns:a16="http://schemas.microsoft.com/office/drawing/2014/main" id="{93F1A389-1515-32F3-91D8-28EEAFDDA954}"/>
+                <a16:creationId xmlns:a16="http://schemas.microsoft.com/office/drawing/2014/main" id="{43AFDA21-9E71-CF4F-E152-8999BE677925}"/>
               </a:ext>
             </a:extLst>
           </p:cNvPr>
@@ -7267,50 +8019,52 @@
         </p:nvSpPr>
         <p:spPr>
           <a:xfrm>
-            <a:off x="6898766" y="1593266"/>
-            <a:ext cx="3311237" cy="443347"/>
+            <a:off x="6283765" y="4934041"/>
+            <a:ext cx="3909512" cy="1353198"/>
           </a:xfrm>
           <a:prstGeom prst="rect">
             <a:avLst/>
           </a:prstGeom>
           <a:solidFill>
-            <a:srgbClr val="4C4C9D"/>
+            <a:srgbClr val="D0D0CF"/>
           </a:solidFill>
         </p:spPr>
         <p:style>
-          <a:lnRef idx="2">
-            <a:schemeClr val="accent6">
-              <a:shade val="50000"/>
-            </a:schemeClr>
+          <a:lnRef idx="1">
+            <a:schemeClr val="accent2"/>
           </a:lnRef>
-          <a:fillRef idx="1">
-            <a:schemeClr val="accent6"/>
+          <a:fillRef idx="2">
+            <a:schemeClr val="accent2"/>
           </a:fillRef>
-          <a:effectRef idx="0">
-            <a:schemeClr val="accent6"/>
+          <a:effectRef idx="1">
+            <a:schemeClr val="accent2"/>
           </a:effectRef>
           <a:fontRef idx="minor">
-            <a:schemeClr val="lt1"/>
+            <a:schemeClr val="dk1"/>
           </a:fontRef>
         </p:style>
         <p:txBody>
-          <a:bodyPr rtlCol="0" anchor="ctr"/>
+          <a:bodyPr lIns="91440" tIns="45720" rIns="91440" bIns="45720" rtlCol="0" anchor="ctr"/>
           <a:lstStyle/>
           <a:p>
             <a:pPr algn="ctr"/>
             <a:r>
-              <a:rPr lang="pt-BR" dirty="0"/>
-              <a:t>Vendedor de filhotes</a:t>
+              <a:rPr lang="pt-BR" sz="1550" dirty="0">
+                <a:ea typeface="+mn-lt"/>
+                <a:cs typeface="+mn-lt"/>
+              </a:rPr>
+              <a:t>Eu como vendedor de filhotes quero atender clientes que busquem um lugar de confiança para reservar seus filhotes, já que quero ter certeza que eles serão vendidos.</a:t>
             </a:r>
+            <a:endParaRPr lang="pt-BR" sz="1550" dirty="0"/>
           </a:p>
         </p:txBody>
       </p:sp>
       <p:sp>
         <p:nvSpPr>
-          <p:cNvPr id="12" name="Retângulo 11">
+          <p:cNvPr id="25" name="Retângulo 24">
             <a:extLst>
               <a:ext uri="{FF2B5EF4-FFF2-40B4-BE49-F238E27FC236}">
-                <a16:creationId xmlns:a16="http://schemas.microsoft.com/office/drawing/2014/main" id="{69E7DE4B-BFBD-29A3-05DA-DBBD92BF0BC5}"/>
+                <a16:creationId xmlns:a16="http://schemas.microsoft.com/office/drawing/2014/main" id="{DA885791-B7D2-097B-995C-2C318E71B1C1}"/>
               </a:ext>
             </a:extLst>
           </p:cNvPr>
@@ -7319,8 +8073,8 @@
         </p:nvSpPr>
         <p:spPr>
           <a:xfrm>
-            <a:off x="1855939" y="2129938"/>
-            <a:ext cx="3020293" cy="1299059"/>
+            <a:off x="1439737" y="1949359"/>
+            <a:ext cx="3890991" cy="1353198"/>
           </a:xfrm>
           <a:prstGeom prst="rect">
             <a:avLst/>
@@ -7353,17 +8107,17 @@
                 <a:ea typeface="+mn-lt"/>
                 <a:cs typeface="+mn-lt"/>
               </a:rPr>
-              <a:t>Eu como comprador quero praticidade na hora de selecionar um bom cuidador, pois não quero burocracia, demora e nem sair de casa.</a:t>
+              <a:t>Eu como vendedor de filhotes procuro facilitar a divulgação do meu trabalho por meio de uma plataforma, porque pelas redes sociais é trabalhoso e caro.</a:t>
             </a:r>
           </a:p>
         </p:txBody>
       </p:sp>
       <p:sp>
         <p:nvSpPr>
-          <p:cNvPr id="24" name="Retângulo 23">
+          <p:cNvPr id="28" name="Retângulo 27">
             <a:extLst>
               <a:ext uri="{FF2B5EF4-FFF2-40B4-BE49-F238E27FC236}">
-                <a16:creationId xmlns:a16="http://schemas.microsoft.com/office/drawing/2014/main" id="{43AFDA21-9E71-CF4F-E152-8999BE677925}"/>
+                <a16:creationId xmlns:a16="http://schemas.microsoft.com/office/drawing/2014/main" id="{9E24E709-F326-0551-92DC-305085CAE25D}"/>
               </a:ext>
             </a:extLst>
           </p:cNvPr>
@@ -7372,8 +8126,62 @@
         </p:nvSpPr>
         <p:spPr>
           <a:xfrm>
-            <a:off x="7057567" y="3643541"/>
-            <a:ext cx="3034670" cy="1299059"/>
+            <a:off x="6283765" y="2469863"/>
+            <a:ext cx="3909512" cy="1278315"/>
+          </a:xfrm>
+          <a:prstGeom prst="rect">
+            <a:avLst/>
+          </a:prstGeom>
+          <a:solidFill>
+            <a:srgbClr val="D3D3D2"/>
+          </a:solidFill>
+        </p:spPr>
+        <p:style>
+          <a:lnRef idx="1">
+            <a:schemeClr val="accent2"/>
+          </a:lnRef>
+          <a:fillRef idx="2">
+            <a:schemeClr val="accent2"/>
+          </a:fillRef>
+          <a:effectRef idx="1">
+            <a:schemeClr val="accent2"/>
+          </a:effectRef>
+          <a:fontRef idx="minor">
+            <a:schemeClr val="dk1"/>
+          </a:fontRef>
+        </p:style>
+        <p:txBody>
+          <a:bodyPr lIns="91440" tIns="45720" rIns="91440" bIns="45720" rtlCol="0" anchor="ctr"/>
+          <a:lstStyle/>
+          <a:p>
+            <a:pPr algn="ctr"/>
+            <a:r>
+              <a:rPr lang="pt-BR" sz="1700" dirty="0">
+                <a:ea typeface="+mn-lt"/>
+                <a:cs typeface="+mn-lt"/>
+              </a:rPr>
+              <a:t>Eu como vendedor de filhotes quero ter um maior alcance ao meu público alvo, porque desejo que meu trabalho alcance mais pessoas que precisam.</a:t>
+            </a:r>
+            <a:endParaRPr lang="pt-BR" sz="1700" dirty="0"/>
+          </a:p>
+        </p:txBody>
+      </p:sp>
+      <p:sp>
+        <p:nvSpPr>
+          <p:cNvPr id="2" name="Retângulo 1">
+            <a:extLst>
+              <a:ext uri="{FF2B5EF4-FFF2-40B4-BE49-F238E27FC236}">
+                <a16:creationId xmlns:a16="http://schemas.microsoft.com/office/drawing/2014/main" id="{68D63705-F68B-2FCC-6F72-5A05DCDFBB09}"/>
+              </a:ext>
+            </a:extLst>
+          </p:cNvPr>
+          <p:cNvSpPr/>
+          <p:nvPr/>
+        </p:nvSpPr>
+        <p:spPr>
+          <a:xfrm>
+            <a:off x="5407458" y="1949359"/>
+            <a:ext cx="560766" cy="1353198"/>
           </a:xfrm>
           <a:prstGeom prst="rect">
             <a:avLst/>
@@ -7402,22 +8210,21 @@
           <a:p>
             <a:pPr algn="ctr"/>
             <a:r>
-              <a:rPr lang="pt-BR" sz="1550" dirty="0">
+              <a:rPr lang="pt-BR" sz="1700" dirty="0">
                 <a:ea typeface="+mn-lt"/>
                 <a:cs typeface="+mn-lt"/>
               </a:rPr>
-              <a:t>Eu como vendedor de filhotes quero atender clientes que busquem um lugar de confiança para reservar seus filhotes, já que quero ter certeza que eles serão vendidos.</a:t>
+              <a:t>US05</a:t>
             </a:r>
-            <a:endParaRPr lang="pt-BR" sz="1550" dirty="0"/>
           </a:p>
         </p:txBody>
       </p:sp>
       <p:sp>
         <p:nvSpPr>
-          <p:cNvPr id="25" name="Retângulo 24">
+          <p:cNvPr id="3" name="Retângulo 2">
             <a:extLst>
               <a:ext uri="{FF2B5EF4-FFF2-40B4-BE49-F238E27FC236}">
-                <a16:creationId xmlns:a16="http://schemas.microsoft.com/office/drawing/2014/main" id="{DA885791-B7D2-097B-995C-2C318E71B1C1}"/>
+                <a16:creationId xmlns:a16="http://schemas.microsoft.com/office/drawing/2014/main" id="{C68FC487-63F7-E4C5-7106-6C76D629FCF5}"/>
               </a:ext>
             </a:extLst>
           </p:cNvPr>
@@ -7426,8 +8233,114 @@
         </p:nvSpPr>
         <p:spPr>
           <a:xfrm>
-            <a:off x="7051166" y="2129936"/>
-            <a:ext cx="3020293" cy="1299059"/>
+            <a:off x="10245086" y="4932668"/>
+            <a:ext cx="560766" cy="1353198"/>
+          </a:xfrm>
+          <a:prstGeom prst="rect">
+            <a:avLst/>
+          </a:prstGeom>
+          <a:solidFill>
+            <a:srgbClr val="D0D0CF"/>
+          </a:solidFill>
+        </p:spPr>
+        <p:style>
+          <a:lnRef idx="1">
+            <a:schemeClr val="accent2"/>
+          </a:lnRef>
+          <a:fillRef idx="2">
+            <a:schemeClr val="accent2"/>
+          </a:fillRef>
+          <a:effectRef idx="1">
+            <a:schemeClr val="accent2"/>
+          </a:effectRef>
+          <a:fontRef idx="minor">
+            <a:schemeClr val="dk1"/>
+          </a:fontRef>
+        </p:style>
+        <p:txBody>
+          <a:bodyPr lIns="91440" tIns="45720" rIns="91440" bIns="45720" rtlCol="0" anchor="ctr"/>
+          <a:lstStyle/>
+          <a:p>
+            <a:pPr algn="ctr"/>
+            <a:r>
+              <a:rPr lang="pt-BR" sz="1700" dirty="0">
+                <a:ea typeface="+mn-lt"/>
+                <a:cs typeface="+mn-lt"/>
+              </a:rPr>
+              <a:t>US08</a:t>
+            </a:r>
+          </a:p>
+        </p:txBody>
+      </p:sp>
+      <p:sp>
+        <p:nvSpPr>
+          <p:cNvPr id="7" name="Retângulo 6">
+            <a:extLst>
+              <a:ext uri="{FF2B5EF4-FFF2-40B4-BE49-F238E27FC236}">
+                <a16:creationId xmlns:a16="http://schemas.microsoft.com/office/drawing/2014/main" id="{ACD41691-4A0D-4BEE-CAFA-07032B833227}"/>
+              </a:ext>
+            </a:extLst>
+          </p:cNvPr>
+          <p:cNvSpPr/>
+          <p:nvPr/>
+        </p:nvSpPr>
+        <p:spPr>
+          <a:xfrm>
+            <a:off x="10258416" y="2458112"/>
+            <a:ext cx="560766" cy="1290066"/>
+          </a:xfrm>
+          <a:prstGeom prst="rect">
+            <a:avLst/>
+          </a:prstGeom>
+          <a:solidFill>
+            <a:srgbClr val="D0D0CF"/>
+          </a:solidFill>
+        </p:spPr>
+        <p:style>
+          <a:lnRef idx="1">
+            <a:schemeClr val="accent2"/>
+          </a:lnRef>
+          <a:fillRef idx="2">
+            <a:schemeClr val="accent2"/>
+          </a:fillRef>
+          <a:effectRef idx="1">
+            <a:schemeClr val="accent2"/>
+          </a:effectRef>
+          <a:fontRef idx="minor">
+            <a:schemeClr val="dk1"/>
+          </a:fontRef>
+        </p:style>
+        <p:txBody>
+          <a:bodyPr lIns="91440" tIns="45720" rIns="91440" bIns="45720" rtlCol="0" anchor="ctr"/>
+          <a:lstStyle/>
+          <a:p>
+            <a:pPr algn="ctr"/>
+            <a:r>
+              <a:rPr lang="pt-BR" sz="1700" dirty="0">
+                <a:ea typeface="+mn-lt"/>
+                <a:cs typeface="+mn-lt"/>
+              </a:rPr>
+              <a:t>US06</a:t>
+            </a:r>
+          </a:p>
+        </p:txBody>
+      </p:sp>
+      <p:sp>
+        <p:nvSpPr>
+          <p:cNvPr id="27" name="Retângulo 26">
+            <a:extLst>
+              <a:ext uri="{FF2B5EF4-FFF2-40B4-BE49-F238E27FC236}">
+                <a16:creationId xmlns:a16="http://schemas.microsoft.com/office/drawing/2014/main" id="{AE856BBD-C132-CA0A-F56D-950254F7E49D}"/>
+              </a:ext>
+            </a:extLst>
+          </p:cNvPr>
+          <p:cNvSpPr/>
+          <p:nvPr/>
+        </p:nvSpPr>
+        <p:spPr>
+          <a:xfrm>
+            <a:off x="1468842" y="3943050"/>
+            <a:ext cx="3890991" cy="1353198"/>
           </a:xfrm>
           <a:prstGeom prst="rect">
             <a:avLst/>
@@ -7460,17 +8373,17 @@
                 <a:ea typeface="+mn-lt"/>
                 <a:cs typeface="+mn-lt"/>
               </a:rPr>
-              <a:t>Eu como vendedor de filhotes procuro facilitar a divulgação do meu trabalho por meio de uma plataforma, porque pelas redes sociais é trabalhoso e caro.</a:t>
+              <a:t>Eu como vendedor de filhotes gostaria de receber notificações toda a vez que alguém tenta entrar na lista de interesse de compra para manter a minha organização</a:t>
             </a:r>
           </a:p>
         </p:txBody>
       </p:sp>
       <p:sp>
         <p:nvSpPr>
-          <p:cNvPr id="28" name="Retângulo 27">
+          <p:cNvPr id="32" name="Retângulo 31">
             <a:extLst>
               <a:ext uri="{FF2B5EF4-FFF2-40B4-BE49-F238E27FC236}">
-                <a16:creationId xmlns:a16="http://schemas.microsoft.com/office/drawing/2014/main" id="{9E24E709-F326-0551-92DC-305085CAE25D}"/>
+                <a16:creationId xmlns:a16="http://schemas.microsoft.com/office/drawing/2014/main" id="{C8665A36-48CB-082A-1C5C-09D4DF3B16EF}"/>
               </a:ext>
             </a:extLst>
           </p:cNvPr>
@@ -7479,14 +8392,14 @@
         </p:nvSpPr>
         <p:spPr>
           <a:xfrm>
-            <a:off x="7044237" y="5168589"/>
-            <a:ext cx="3034670" cy="1227172"/>
+            <a:off x="5436563" y="3943050"/>
+            <a:ext cx="560766" cy="1353198"/>
           </a:xfrm>
           <a:prstGeom prst="rect">
             <a:avLst/>
           </a:prstGeom>
           <a:solidFill>
-            <a:srgbClr val="D3D3D2"/>
+            <a:srgbClr val="F1F1F1"/>
           </a:solidFill>
         </p:spPr>
         <p:style>
@@ -7513,124 +8426,15 @@
                 <a:ea typeface="+mn-lt"/>
                 <a:cs typeface="+mn-lt"/>
               </a:rPr>
-              <a:t>Eu como vendedor de filhotes quero ter um maior alcance ao meu público alvo, porque desejo que meu trabalho alcance mais pessoas que precisam.</a:t>
+              <a:t>US07</a:t>
             </a:r>
-            <a:endParaRPr lang="pt-BR" sz="1700" dirty="0"/>
-          </a:p>
-        </p:txBody>
-      </p:sp>
-      <p:sp>
-        <p:nvSpPr>
-          <p:cNvPr id="29" name="Retângulo 28">
-            <a:extLst>
-              <a:ext uri="{FF2B5EF4-FFF2-40B4-BE49-F238E27FC236}">
-                <a16:creationId xmlns:a16="http://schemas.microsoft.com/office/drawing/2014/main" id="{C345C8D0-BF4A-F313-DBCA-0424BD3F0097}"/>
-              </a:ext>
-            </a:extLst>
-          </p:cNvPr>
-          <p:cNvSpPr/>
-          <p:nvPr/>
-        </p:nvSpPr>
-        <p:spPr>
-          <a:xfrm>
-            <a:off x="1855936" y="5168426"/>
-            <a:ext cx="3020293" cy="1227172"/>
-          </a:xfrm>
-          <a:prstGeom prst="rect">
-            <a:avLst/>
-          </a:prstGeom>
-          <a:solidFill>
-            <a:srgbClr val="D3D3D2"/>
-          </a:solidFill>
-        </p:spPr>
-        <p:style>
-          <a:lnRef idx="1">
-            <a:schemeClr val="accent2"/>
-          </a:lnRef>
-          <a:fillRef idx="2">
-            <a:schemeClr val="accent2"/>
-          </a:fillRef>
-          <a:effectRef idx="1">
-            <a:schemeClr val="accent2"/>
-          </a:effectRef>
-          <a:fontRef idx="minor">
-            <a:schemeClr val="dk1"/>
-          </a:fontRef>
-        </p:style>
-        <p:txBody>
-          <a:bodyPr lIns="91440" tIns="45720" rIns="91440" bIns="45720" rtlCol="0" anchor="ctr"/>
-          <a:lstStyle/>
-          <a:p>
-            <a:pPr algn="ctr"/>
-            <a:r>
-              <a:rPr lang="pt-BR" sz="1700" dirty="0">
-                <a:ea typeface="+mn-lt"/>
-                <a:cs typeface="+mn-lt"/>
-              </a:rPr>
-              <a:t>Eu como comprador quero um profissional com experiência e que preze pela saúde dos filhotes, pois quero ter facilidade na hora da compra.</a:t>
-            </a:r>
-            <a:endParaRPr lang="pt-BR" sz="1700" dirty="0"/>
-          </a:p>
-        </p:txBody>
-      </p:sp>
-      <p:sp>
-        <p:nvSpPr>
-          <p:cNvPr id="30" name="Retângulo 29">
-            <a:extLst>
-              <a:ext uri="{FF2B5EF4-FFF2-40B4-BE49-F238E27FC236}">
-                <a16:creationId xmlns:a16="http://schemas.microsoft.com/office/drawing/2014/main" id="{34E34A10-F841-34C1-5C8B-F45D82F55311}"/>
-              </a:ext>
-            </a:extLst>
-          </p:cNvPr>
-          <p:cNvSpPr/>
-          <p:nvPr/>
-        </p:nvSpPr>
-        <p:spPr>
-          <a:xfrm>
-            <a:off x="1855936" y="3643543"/>
-            <a:ext cx="3020293" cy="1299059"/>
-          </a:xfrm>
-          <a:prstGeom prst="rect">
-            <a:avLst/>
-          </a:prstGeom>
-          <a:solidFill>
-            <a:srgbClr val="ECECEB"/>
-          </a:solidFill>
-        </p:spPr>
-        <p:style>
-          <a:lnRef idx="1">
-            <a:schemeClr val="accent2"/>
-          </a:lnRef>
-          <a:fillRef idx="2">
-            <a:schemeClr val="accent2"/>
-          </a:fillRef>
-          <a:effectRef idx="1">
-            <a:schemeClr val="accent2"/>
-          </a:effectRef>
-          <a:fontRef idx="minor">
-            <a:schemeClr val="dk1"/>
-          </a:fontRef>
-        </p:style>
-        <p:txBody>
-          <a:bodyPr lIns="91440" tIns="45720" rIns="91440" bIns="45720" rtlCol="0" anchor="ctr"/>
-          <a:lstStyle/>
-          <a:p>
-            <a:pPr algn="ctr"/>
-            <a:r>
-              <a:rPr lang="pt-BR" sz="1700" dirty="0">
-                <a:ea typeface="+mn-lt"/>
-                <a:cs typeface="+mn-lt"/>
-              </a:rPr>
-              <a:t>Eu como comprador quero informações precisas sobre a origem do filhote, pois quero ter filhotes saudáveis.</a:t>
-            </a:r>
-            <a:endParaRPr lang="pt-BR" sz="1700" dirty="0"/>
           </a:p>
         </p:txBody>
       </p:sp>
     </p:spTree>
     <p:extLst>
       <p:ext uri="{BB962C8B-B14F-4D97-AF65-F5344CB8AC3E}">
-        <p14:creationId xmlns:p14="http://schemas.microsoft.com/office/powerpoint/2010/main" val="1463147037"/>
+        <p14:creationId xmlns:p14="http://schemas.microsoft.com/office/powerpoint/2010/main" val="3706433831"/>
       </p:ext>
     </p:extLst>
   </p:cSld>
@@ -7898,4 +8702,557 @@
     </a:ext>
   </a:extLst>
 </a:theme>
+</file>
+
+<file path=ppt/theme/theme2.xml><?xml version="1.0" encoding="utf-8"?>
+<a:theme xmlns:a="http://schemas.openxmlformats.org/drawingml/2006/main" name="Tema do Office">
+  <a:themeElements>
+    <a:clrScheme name="Office">
+      <a:dk1>
+        <a:sysClr val="windowText" lastClr="000000"/>
+      </a:dk1>
+      <a:lt1>
+        <a:sysClr val="window" lastClr="FFFFFF"/>
+      </a:lt1>
+      <a:dk2>
+        <a:srgbClr val="44546A"/>
+      </a:dk2>
+      <a:lt2>
+        <a:srgbClr val="E7E6E6"/>
+      </a:lt2>
+      <a:accent1>
+        <a:srgbClr val="4472C4"/>
+      </a:accent1>
+      <a:accent2>
+        <a:srgbClr val="ED7D31"/>
+      </a:accent2>
+      <a:accent3>
+        <a:srgbClr val="A5A5A5"/>
+      </a:accent3>
+      <a:accent4>
+        <a:srgbClr val="FFC000"/>
+      </a:accent4>
+      <a:accent5>
+        <a:srgbClr val="5B9BD5"/>
+      </a:accent5>
+      <a:accent6>
+        <a:srgbClr val="70AD47"/>
+      </a:accent6>
+      <a:hlink>
+        <a:srgbClr val="0563C1"/>
+      </a:hlink>
+      <a:folHlink>
+        <a:srgbClr val="954F72"/>
+      </a:folHlink>
+    </a:clrScheme>
+    <a:fontScheme name="Office">
+      <a:majorFont>
+        <a:latin typeface="Calibri Light" panose="020F0302020204030204"/>
+        <a:ea typeface=""/>
+        <a:cs typeface=""/>
+        <a:font script="Jpan" typeface="游ゴシック Light"/>
+        <a:font script="Hang" typeface="맑은 고딕"/>
+        <a:font script="Hans" typeface="等线 Light"/>
+        <a:font script="Hant" typeface="新細明體"/>
+        <a:font script="Arab" typeface="Times New Roman"/>
+        <a:font script="Hebr" typeface="Times New Roman"/>
+        <a:font script="Thai" typeface="Angsana New"/>
+        <a:font script="Ethi" typeface="Nyala"/>
+        <a:font script="Beng" typeface="Vrinda"/>
+        <a:font script="Gujr" typeface="Shruti"/>
+        <a:font script="Khmr" typeface="MoolBoran"/>
+        <a:font script="Knda" typeface="Tunga"/>
+        <a:font script="Guru" typeface="Raavi"/>
+        <a:font script="Cans" typeface="Euphemia"/>
+        <a:font script="Cher" typeface="Plantagenet Cherokee"/>
+        <a:font script="Yiii" typeface="Microsoft Yi Baiti"/>
+        <a:font script="Tibt" typeface="Microsoft Himalaya"/>
+        <a:font script="Thaa" typeface="MV Boli"/>
+        <a:font script="Deva" typeface="Mangal"/>
+        <a:font script="Telu" typeface="Gautami"/>
+        <a:font script="Taml" typeface="Latha"/>
+        <a:font script="Syrc" typeface="Estrangelo Edessa"/>
+        <a:font script="Orya" typeface="Kalinga"/>
+        <a:font script="Mlym" typeface="Kartika"/>
+        <a:font script="Laoo" typeface="DokChampa"/>
+        <a:font script="Sinh" typeface="Iskoola Pota"/>
+        <a:font script="Mong" typeface="Mongolian Baiti"/>
+        <a:font script="Viet" typeface="Times New Roman"/>
+        <a:font script="Uigh" typeface="Microsoft Uighur"/>
+        <a:font script="Geor" typeface="Sylfaen"/>
+        <a:font script="Armn" typeface="Arial"/>
+        <a:font script="Bugi" typeface="Leelawadee UI"/>
+        <a:font script="Bopo" typeface="Microsoft JhengHei"/>
+        <a:font script="Java" typeface="Javanese Text"/>
+        <a:font script="Lisu" typeface="Segoe UI"/>
+        <a:font script="Mymr" typeface="Myanmar Text"/>
+        <a:font script="Nkoo" typeface="Ebrima"/>
+        <a:font script="Olck" typeface="Nirmala UI"/>
+        <a:font script="Osma" typeface="Ebrima"/>
+        <a:font script="Phag" typeface="Phagspa"/>
+        <a:font script="Syrn" typeface="Estrangelo Edessa"/>
+        <a:font script="Syrj" typeface="Estrangelo Edessa"/>
+        <a:font script="Syre" typeface="Estrangelo Edessa"/>
+        <a:font script="Sora" typeface="Nirmala UI"/>
+        <a:font script="Tale" typeface="Microsoft Tai Le"/>
+        <a:font script="Talu" typeface="Microsoft New Tai Lue"/>
+        <a:font script="Tfng" typeface="Ebrima"/>
+      </a:majorFont>
+      <a:minorFont>
+        <a:latin typeface="Calibri" panose="020F0502020204030204"/>
+        <a:ea typeface=""/>
+        <a:cs typeface=""/>
+        <a:font script="Jpan" typeface="游ゴシック"/>
+        <a:font script="Hang" typeface="맑은 고딕"/>
+        <a:font script="Hans" typeface="等线"/>
+        <a:font script="Hant" typeface="新細明體"/>
+        <a:font script="Arab" typeface="Arial"/>
+        <a:font script="Hebr" typeface="Arial"/>
+        <a:font script="Thai" typeface="Cordia New"/>
+        <a:font script="Ethi" typeface="Nyala"/>
+        <a:font script="Beng" typeface="Vrinda"/>
+        <a:font script="Gujr" typeface="Shruti"/>
+        <a:font script="Khmr" typeface="DaunPenh"/>
+        <a:font script="Knda" typeface="Tunga"/>
+        <a:font script="Guru" typeface="Raavi"/>
+        <a:font script="Cans" typeface="Euphemia"/>
+        <a:font script="Cher" typeface="Plantagenet Cherokee"/>
+        <a:font script="Yiii" typeface="Microsoft Yi Baiti"/>
+        <a:font script="Tibt" typeface="Microsoft Himalaya"/>
+        <a:font script="Thaa" typeface="MV Boli"/>
+        <a:font script="Deva" typeface="Mangal"/>
+        <a:font script="Telu" typeface="Gautami"/>
+        <a:font script="Taml" typeface="Latha"/>
+        <a:font script="Syrc" typeface="Estrangelo Edessa"/>
+        <a:font script="Orya" typeface="Kalinga"/>
+        <a:font script="Mlym" typeface="Kartika"/>
+        <a:font script="Laoo" typeface="DokChampa"/>
+        <a:font script="Sinh" typeface="Iskoola Pota"/>
+        <a:font script="Mong" typeface="Mongolian Baiti"/>
+        <a:font script="Viet" typeface="Arial"/>
+        <a:font script="Uigh" typeface="Microsoft Uighur"/>
+        <a:font script="Geor" typeface="Sylfaen"/>
+        <a:font script="Armn" typeface="Arial"/>
+        <a:font script="Bugi" typeface="Leelawadee UI"/>
+        <a:font script="Bopo" typeface="Microsoft JhengHei"/>
+        <a:font script="Java" typeface="Javanese Text"/>
+        <a:font script="Lisu" typeface="Segoe UI"/>
+        <a:font script="Mymr" typeface="Myanmar Text"/>
+        <a:font script="Nkoo" typeface="Ebrima"/>
+        <a:font script="Olck" typeface="Nirmala UI"/>
+        <a:font script="Osma" typeface="Ebrima"/>
+        <a:font script="Phag" typeface="Phagspa"/>
+        <a:font script="Syrn" typeface="Estrangelo Edessa"/>
+        <a:font script="Syrj" typeface="Estrangelo Edessa"/>
+        <a:font script="Syre" typeface="Estrangelo Edessa"/>
+        <a:font script="Sora" typeface="Nirmala UI"/>
+        <a:font script="Tale" typeface="Microsoft Tai Le"/>
+        <a:font script="Talu" typeface="Microsoft New Tai Lue"/>
+        <a:font script="Tfng" typeface="Ebrima"/>
+      </a:minorFont>
+    </a:fontScheme>
+    <a:fmtScheme name="Office">
+      <a:fillStyleLst>
+        <a:solidFill>
+          <a:schemeClr val="phClr"/>
+        </a:solidFill>
+        <a:gradFill rotWithShape="1">
+          <a:gsLst>
+            <a:gs pos="0">
+              <a:schemeClr val="phClr">
+                <a:lumMod val="110000"/>
+                <a:satMod val="105000"/>
+                <a:tint val="67000"/>
+              </a:schemeClr>
+            </a:gs>
+            <a:gs pos="50000">
+              <a:schemeClr val="phClr">
+                <a:lumMod val="105000"/>
+                <a:satMod val="103000"/>
+                <a:tint val="73000"/>
+              </a:schemeClr>
+            </a:gs>
+            <a:gs pos="100000">
+              <a:schemeClr val="phClr">
+                <a:lumMod val="105000"/>
+                <a:satMod val="109000"/>
+                <a:tint val="81000"/>
+              </a:schemeClr>
+            </a:gs>
+          </a:gsLst>
+          <a:lin ang="5400000" scaled="0"/>
+        </a:gradFill>
+        <a:gradFill rotWithShape="1">
+          <a:gsLst>
+            <a:gs pos="0">
+              <a:schemeClr val="phClr">
+                <a:satMod val="103000"/>
+                <a:lumMod val="102000"/>
+                <a:tint val="94000"/>
+              </a:schemeClr>
+            </a:gs>
+            <a:gs pos="50000">
+              <a:schemeClr val="phClr">
+                <a:satMod val="110000"/>
+                <a:lumMod val="100000"/>
+                <a:shade val="100000"/>
+              </a:schemeClr>
+            </a:gs>
+            <a:gs pos="100000">
+              <a:schemeClr val="phClr">
+                <a:lumMod val="99000"/>
+                <a:satMod val="120000"/>
+                <a:shade val="78000"/>
+              </a:schemeClr>
+            </a:gs>
+          </a:gsLst>
+          <a:lin ang="5400000" scaled="0"/>
+        </a:gradFill>
+      </a:fillStyleLst>
+      <a:lnStyleLst>
+        <a:ln w="6350" cap="flat" cmpd="sng" algn="ctr">
+          <a:solidFill>
+            <a:schemeClr val="phClr"/>
+          </a:solidFill>
+          <a:prstDash val="solid"/>
+          <a:miter lim="800000"/>
+        </a:ln>
+        <a:ln w="12700" cap="flat" cmpd="sng" algn="ctr">
+          <a:solidFill>
+            <a:schemeClr val="phClr"/>
+          </a:solidFill>
+          <a:prstDash val="solid"/>
+          <a:miter lim="800000"/>
+        </a:ln>
+        <a:ln w="19050" cap="flat" cmpd="sng" algn="ctr">
+          <a:solidFill>
+            <a:schemeClr val="phClr"/>
+          </a:solidFill>
+          <a:prstDash val="solid"/>
+          <a:miter lim="800000"/>
+        </a:ln>
+      </a:lnStyleLst>
+      <a:effectStyleLst>
+        <a:effectStyle>
+          <a:effectLst/>
+        </a:effectStyle>
+        <a:effectStyle>
+          <a:effectLst/>
+        </a:effectStyle>
+        <a:effectStyle>
+          <a:effectLst>
+            <a:outerShdw blurRad="57150" dist="19050" dir="5400000" algn="ctr" rotWithShape="0">
+              <a:srgbClr val="000000">
+                <a:alpha val="63000"/>
+              </a:srgbClr>
+            </a:outerShdw>
+          </a:effectLst>
+        </a:effectStyle>
+      </a:effectStyleLst>
+      <a:bgFillStyleLst>
+        <a:solidFill>
+          <a:schemeClr val="phClr"/>
+        </a:solidFill>
+        <a:solidFill>
+          <a:schemeClr val="phClr">
+            <a:tint val="95000"/>
+            <a:satMod val="170000"/>
+          </a:schemeClr>
+        </a:solidFill>
+        <a:gradFill rotWithShape="1">
+          <a:gsLst>
+            <a:gs pos="0">
+              <a:schemeClr val="phClr">
+                <a:tint val="93000"/>
+                <a:satMod val="150000"/>
+                <a:shade val="98000"/>
+                <a:lumMod val="102000"/>
+              </a:schemeClr>
+            </a:gs>
+            <a:gs pos="50000">
+              <a:schemeClr val="phClr">
+                <a:tint val="98000"/>
+                <a:satMod val="130000"/>
+                <a:shade val="90000"/>
+                <a:lumMod val="103000"/>
+              </a:schemeClr>
+            </a:gs>
+            <a:gs pos="100000">
+              <a:schemeClr val="phClr">
+                <a:shade val="63000"/>
+                <a:satMod val="120000"/>
+              </a:schemeClr>
+            </a:gs>
+          </a:gsLst>
+          <a:lin ang="5400000" scaled="0"/>
+        </a:gradFill>
+      </a:bgFillStyleLst>
+    </a:fmtScheme>
+  </a:themeElements>
+  <a:objectDefaults/>
+  <a:extraClrSchemeLst/>
+  <a:extLst>
+    <a:ext uri="{05A4C25C-085E-4340-85A3-A5531E510DB2}">
+      <thm15:themeFamily xmlns:thm15="http://schemas.microsoft.com/office/thememl/2012/main" name="Office Theme" id="{62F939B6-93AF-4DB8-9C6B-D6C7DFDC589F}" vid="{4A3C46E8-61CC-4603-A589-7422A47A8E4A}"/>
+    </a:ext>
+  </a:extLst>
+</a:theme>
+</file>
+
+<file path=customXml/item1.xml><?xml version="1.0" encoding="utf-8"?>
+<ct:contentTypeSchema xmlns:ct="http://schemas.microsoft.com/office/2006/metadata/contentType" xmlns:ma="http://schemas.microsoft.com/office/2006/metadata/properties/metaAttributes" ct:_="" ma:_="" ma:contentTypeName="Document" ma:contentTypeID="0x010100892A8A68E1C8AD4BB8607B0553D331B3" ma:contentTypeVersion="9" ma:contentTypeDescription="Create a new document." ma:contentTypeScope="" ma:versionID="0745d5f2804c52dc229b9344985d1344">
+  <xsd:schema xmlns:xsd="http://www.w3.org/2001/XMLSchema" xmlns:xs="http://www.w3.org/2001/XMLSchema" xmlns:p="http://schemas.microsoft.com/office/2006/metadata/properties" xmlns:ns3="e2ca784f-4dc5-42e9-9734-389708ce15cc" xmlns:ns4="7a087c55-5f08-466c-910b-e029fd4269fe" targetNamespace="http://schemas.microsoft.com/office/2006/metadata/properties" ma:root="true" ma:fieldsID="ade3cd0e161c6f75d9bc81e2417c4014" ns3:_="" ns4:_="">
+    <xsd:import namespace="e2ca784f-4dc5-42e9-9734-389708ce15cc"/>
+    <xsd:import namespace="7a087c55-5f08-466c-910b-e029fd4269fe"/>
+    <xsd:element name="properties">
+      <xsd:complexType>
+        <xsd:sequence>
+          <xsd:element name="documentManagement">
+            <xsd:complexType>
+              <xsd:all>
+                <xsd:element ref="ns3:SharedWithUsers" minOccurs="0"/>
+                <xsd:element ref="ns3:SharedWithDetails" minOccurs="0"/>
+                <xsd:element ref="ns3:SharingHintHash" minOccurs="0"/>
+                <xsd:element ref="ns4:MediaServiceMetadata" minOccurs="0"/>
+                <xsd:element ref="ns4:MediaServiceFastMetadata" minOccurs="0"/>
+                <xsd:element ref="ns4:MediaServiceAutoKeyPoints" minOccurs="0"/>
+                <xsd:element ref="ns4:MediaServiceKeyPoints" minOccurs="0"/>
+                <xsd:element ref="ns4:MediaServiceSearchProperties" minOccurs="0"/>
+                <xsd:element ref="ns4:_activity" minOccurs="0"/>
+              </xsd:all>
+            </xsd:complexType>
+          </xsd:element>
+        </xsd:sequence>
+      </xsd:complexType>
+    </xsd:element>
+  </xsd:schema>
+  <xsd:schema xmlns:xsd="http://www.w3.org/2001/XMLSchema" xmlns:xs="http://www.w3.org/2001/XMLSchema" xmlns:dms="http://schemas.microsoft.com/office/2006/documentManagement/types" xmlns:pc="http://schemas.microsoft.com/office/infopath/2007/PartnerControls" targetNamespace="e2ca784f-4dc5-42e9-9734-389708ce15cc" elementFormDefault="qualified">
+    <xsd:import namespace="http://schemas.microsoft.com/office/2006/documentManagement/types"/>
+    <xsd:import namespace="http://schemas.microsoft.com/office/infopath/2007/PartnerControls"/>
+    <xsd:element name="SharedWithUsers" ma:index="8" nillable="true" ma:displayName="Shared With" ma:internalName="SharedWithUsers" ma:readOnly="true">
+      <xsd:complexType>
+        <xsd:complexContent>
+          <xsd:extension base="dms:UserMulti">
+            <xsd:sequence>
+              <xsd:element name="UserInfo" minOccurs="0" maxOccurs="unbounded">
+                <xsd:complexType>
+                  <xsd:sequence>
+                    <xsd:element name="DisplayName" type="xsd:string" minOccurs="0"/>
+                    <xsd:element name="AccountId" type="dms:UserId" minOccurs="0" nillable="true"/>
+                    <xsd:element name="AccountType" type="xsd:string" minOccurs="0"/>
+                  </xsd:sequence>
+                </xsd:complexType>
+              </xsd:element>
+            </xsd:sequence>
+          </xsd:extension>
+        </xsd:complexContent>
+      </xsd:complexType>
+    </xsd:element>
+    <xsd:element name="SharedWithDetails" ma:index="9" nillable="true" ma:displayName="Shared With Details" ma:internalName="SharedWithDetails" ma:readOnly="true">
+      <xsd:simpleType>
+        <xsd:restriction base="dms:Note">
+          <xsd:maxLength value="255"/>
+        </xsd:restriction>
+      </xsd:simpleType>
+    </xsd:element>
+    <xsd:element name="SharingHintHash" ma:index="10" nillable="true" ma:displayName="Sharing Hint Hash" ma:hidden="true" ma:internalName="SharingHintHash" ma:readOnly="true">
+      <xsd:simpleType>
+        <xsd:restriction base="dms:Text"/>
+      </xsd:simpleType>
+    </xsd:element>
+  </xsd:schema>
+  <xsd:schema xmlns:xsd="http://www.w3.org/2001/XMLSchema" xmlns:xs="http://www.w3.org/2001/XMLSchema" xmlns:dms="http://schemas.microsoft.com/office/2006/documentManagement/types" xmlns:pc="http://schemas.microsoft.com/office/infopath/2007/PartnerControls" targetNamespace="7a087c55-5f08-466c-910b-e029fd4269fe" elementFormDefault="qualified">
+    <xsd:import namespace="http://schemas.microsoft.com/office/2006/documentManagement/types"/>
+    <xsd:import namespace="http://schemas.microsoft.com/office/infopath/2007/PartnerControls"/>
+    <xsd:element name="MediaServiceMetadata" ma:index="11" nillable="true" ma:displayName="MediaServiceMetadata" ma:hidden="true" ma:internalName="MediaServiceMetadata" ma:readOnly="true">
+      <xsd:simpleType>
+        <xsd:restriction base="dms:Note"/>
+      </xsd:simpleType>
+    </xsd:element>
+    <xsd:element name="MediaServiceFastMetadata" ma:index="12" nillable="true" ma:displayName="MediaServiceFastMetadata" ma:hidden="true" ma:internalName="MediaServiceFastMetadata" ma:readOnly="true">
+      <xsd:simpleType>
+        <xsd:restriction base="dms:Note"/>
+      </xsd:simpleType>
+    </xsd:element>
+    <xsd:element name="MediaServiceAutoKeyPoints" ma:index="13" nillable="true" ma:displayName="MediaServiceAutoKeyPoints" ma:hidden="true" ma:internalName="MediaServiceAutoKeyPoints" ma:readOnly="true">
+      <xsd:simpleType>
+        <xsd:restriction base="dms:Note"/>
+      </xsd:simpleType>
+    </xsd:element>
+    <xsd:element name="MediaServiceKeyPoints" ma:index="14" nillable="true" ma:displayName="KeyPoints" ma:internalName="MediaServiceKeyPoints" ma:readOnly="true">
+      <xsd:simpleType>
+        <xsd:restriction base="dms:Note">
+          <xsd:maxLength value="255"/>
+        </xsd:restriction>
+      </xsd:simpleType>
+    </xsd:element>
+    <xsd:element name="MediaServiceSearchProperties" ma:index="15" nillable="true" ma:displayName="MediaServiceSearchProperties" ma:hidden="true" ma:internalName="MediaServiceSearchProperties" ma:readOnly="true">
+      <xsd:simpleType>
+        <xsd:restriction base="dms:Note"/>
+      </xsd:simpleType>
+    </xsd:element>
+    <xsd:element name="_activity" ma:index="16" nillable="true" ma:displayName="_activity" ma:hidden="true" ma:internalName="_activity">
+      <xsd:simpleType>
+        <xsd:restriction base="dms:Note"/>
+      </xsd:simpleType>
+    </xsd:element>
+  </xsd:schema>
+  <xsd:schema xmlns="http://schemas.openxmlformats.org/package/2006/metadata/core-properties" xmlns:xsd="http://www.w3.org/2001/XMLSchema" xmlns:xsi="http://www.w3.org/2001/XMLSchema-instance" xmlns:dc="http://purl.org/dc/elements/1.1/" xmlns:dcterms="http://purl.org/dc/terms/" xmlns:odoc="http://schemas.microsoft.com/internal/obd" targetNamespace="http://schemas.openxmlformats.org/package/2006/metadata/core-properties" elementFormDefault="qualified" attributeFormDefault="unqualified" blockDefault="#all">
+    <xsd:import namespace="http://purl.org/dc/elements/1.1/" schemaLocation="http://dublincore.org/schemas/xmls/qdc/2003/04/02/dc.xsd"/>
+    <xsd:import namespace="http://purl.org/dc/terms/" schemaLocation="http://dublincore.org/schemas/xmls/qdc/2003/04/02/dcterms.xsd"/>
+    <xsd:element name="coreProperties" type="CT_coreProperties"/>
+    <xsd:complexType name="CT_coreProperties">
+      <xsd:all>
+        <xsd:element ref="dc:creator" minOccurs="0" maxOccurs="1"/>
+        <xsd:element ref="dcterms:created" minOccurs="0" maxOccurs="1"/>
+        <xsd:element ref="dc:identifier" minOccurs="0" maxOccurs="1"/>
+        <xsd:element name="contentType" minOccurs="0" maxOccurs="1" type="xsd:string" ma:index="0" ma:displayName="Content Type"/>
+        <xsd:element ref="dc:title" minOccurs="0" maxOccurs="1" ma:index="4" ma:displayName="Title"/>
+        <xsd:element ref="dc:subject" minOccurs="0" maxOccurs="1"/>
+        <xsd:element ref="dc:description" minOccurs="0" maxOccurs="1"/>
+        <xsd:element name="keywords" minOccurs="0" maxOccurs="1" type="xsd:string"/>
+        <xsd:element ref="dc:language" minOccurs="0" maxOccurs="1"/>
+        <xsd:element name="category" minOccurs="0" maxOccurs="1" type="xsd:string"/>
+        <xsd:element name="version" minOccurs="0" maxOccurs="1" type="xsd:string"/>
+        <xsd:element name="revision" minOccurs="0" maxOccurs="1" type="xsd:string">
+          <xsd:annotation>
+            <xsd:documentation>
+                        This value indicates the number of saves or revisions. The application is responsible for updating this value after each revision.
+                    </xsd:documentation>
+          </xsd:annotation>
+        </xsd:element>
+        <xsd:element name="lastModifiedBy" minOccurs="0" maxOccurs="1" type="xsd:string"/>
+        <xsd:element ref="dcterms:modified" minOccurs="0" maxOccurs="1"/>
+        <xsd:element name="contentStatus" minOccurs="0" maxOccurs="1" type="xsd:string"/>
+      </xsd:all>
+    </xsd:complexType>
+  </xsd:schema>
+  <xs:schema xmlns:pc="http://schemas.microsoft.com/office/infopath/2007/PartnerControls" xmlns:xs="http://www.w3.org/2001/XMLSchema" targetNamespace="http://schemas.microsoft.com/office/infopath/2007/PartnerControls" elementFormDefault="qualified" attributeFormDefault="unqualified">
+    <xs:element name="Person">
+      <xs:complexType>
+        <xs:sequence>
+          <xs:element ref="pc:DisplayName" minOccurs="0"/>
+          <xs:element ref="pc:AccountId" minOccurs="0"/>
+          <xs:element ref="pc:AccountType" minOccurs="0"/>
+        </xs:sequence>
+      </xs:complexType>
+    </xs:element>
+    <xs:element name="DisplayName" type="xs:string"/>
+    <xs:element name="AccountId" type="xs:string"/>
+    <xs:element name="AccountType" type="xs:string"/>
+    <xs:element name="BDCAssociatedEntity">
+      <xs:complexType>
+        <xs:sequence>
+          <xs:element ref="pc:BDCEntity" minOccurs="0" maxOccurs="unbounded"/>
+        </xs:sequence>
+        <xs:attribute ref="pc:EntityNamespace"/>
+        <xs:attribute ref="pc:EntityName"/>
+        <xs:attribute ref="pc:SystemInstanceName"/>
+        <xs:attribute ref="pc:AssociationName"/>
+      </xs:complexType>
+    </xs:element>
+    <xs:attribute name="EntityNamespace" type="xs:string"/>
+    <xs:attribute name="EntityName" type="xs:string"/>
+    <xs:attribute name="SystemInstanceName" type="xs:string"/>
+    <xs:attribute name="AssociationName" type="xs:string"/>
+    <xs:element name="BDCEntity">
+      <xs:complexType>
+        <xs:sequence>
+          <xs:element ref="pc:EntityDisplayName" minOccurs="0"/>
+          <xs:element ref="pc:EntityInstanceReference" minOccurs="0"/>
+          <xs:element ref="pc:EntityId1" minOccurs="0"/>
+          <xs:element ref="pc:EntityId2" minOccurs="0"/>
+          <xs:element ref="pc:EntityId3" minOccurs="0"/>
+          <xs:element ref="pc:EntityId4" minOccurs="0"/>
+          <xs:element ref="pc:EntityId5" minOccurs="0"/>
+        </xs:sequence>
+      </xs:complexType>
+    </xs:element>
+    <xs:element name="EntityDisplayName" type="xs:string"/>
+    <xs:element name="EntityInstanceReference" type="xs:string"/>
+    <xs:element name="EntityId1" type="xs:string"/>
+    <xs:element name="EntityId2" type="xs:string"/>
+    <xs:element name="EntityId3" type="xs:string"/>
+    <xs:element name="EntityId4" type="xs:string"/>
+    <xs:element name="EntityId5" type="xs:string"/>
+    <xs:element name="Terms">
+      <xs:complexType>
+        <xs:sequence>
+          <xs:element ref="pc:TermInfo" minOccurs="0" maxOccurs="unbounded"/>
+        </xs:sequence>
+      </xs:complexType>
+    </xs:element>
+    <xs:element name="TermInfo">
+      <xs:complexType>
+        <xs:sequence>
+          <xs:element ref="pc:TermName" minOccurs="0"/>
+          <xs:element ref="pc:TermId" minOccurs="0"/>
+        </xs:sequence>
+      </xs:complexType>
+    </xs:element>
+    <xs:element name="TermName" type="xs:string"/>
+    <xs:element name="TermId" type="xs:string"/>
+  </xs:schema>
+</ct:contentTypeSchema>
+</file>
+
+<file path=customXml/item2.xml><?xml version="1.0" encoding="utf-8"?>
+<?mso-contentType ?>
+<FormTemplates xmlns="http://schemas.microsoft.com/sharepoint/v3/contenttype/forms">
+  <Display>DocumentLibraryForm</Display>
+  <Edit>DocumentLibraryForm</Edit>
+  <New>DocumentLibraryForm</New>
+</FormTemplates>
+</file>
+
+<file path=customXml/item3.xml><?xml version="1.0" encoding="utf-8"?>
+<p:properties xmlns:p="http://schemas.microsoft.com/office/2006/metadata/properties" xmlns:xsi="http://www.w3.org/2001/XMLSchema-instance" xmlns:pc="http://schemas.microsoft.com/office/infopath/2007/PartnerControls">
+  <documentManagement>
+    <_activity xmlns="7a087c55-5f08-466c-910b-e029fd4269fe" xsi:nil="true"/>
+  </documentManagement>
+</p:properties>
+</file>
+
+<file path=customXml/itemProps1.xml><?xml version="1.0" encoding="utf-8"?>
+<ds:datastoreItem xmlns:ds="http://schemas.openxmlformats.org/officeDocument/2006/customXml" ds:itemID="{85E2D18B-0148-49EB-A565-7C922A0FA721}">
+  <ds:schemaRefs>
+    <ds:schemaRef ds:uri="http://schemas.microsoft.com/office/2006/metadata/contentType"/>
+    <ds:schemaRef ds:uri="http://schemas.microsoft.com/office/2006/metadata/properties/metaAttributes"/>
+    <ds:schemaRef ds:uri="http://www.w3.org/2001/XMLSchema"/>
+    <ds:schemaRef ds:uri="http://schemas.microsoft.com/office/2006/metadata/properties"/>
+    <ds:schemaRef ds:uri="e2ca784f-4dc5-42e9-9734-389708ce15cc"/>
+    <ds:schemaRef ds:uri="7a087c55-5f08-466c-910b-e029fd4269fe"/>
+    <ds:schemaRef ds:uri="http://schemas.microsoft.com/office/2006/documentManagement/types"/>
+    <ds:schemaRef ds:uri="http://schemas.microsoft.com/office/infopath/2007/PartnerControls"/>
+    <ds:schemaRef ds:uri="http://schemas.openxmlformats.org/package/2006/metadata/core-properties"/>
+    <ds:schemaRef ds:uri="http://purl.org/dc/elements/1.1/"/>
+    <ds:schemaRef ds:uri="http://purl.org/dc/terms/"/>
+    <ds:schemaRef ds:uri="http://schemas.microsoft.com/internal/obd"/>
+  </ds:schemaRefs>
+</ds:datastoreItem>
+</file>
+
+<file path=customXml/itemProps2.xml><?xml version="1.0" encoding="utf-8"?>
+<ds:datastoreItem xmlns:ds="http://schemas.openxmlformats.org/officeDocument/2006/customXml" ds:itemID="{619F468B-96C2-4ACD-82F8-927D60568563}">
+  <ds:schemaRefs>
+    <ds:schemaRef ds:uri="http://schemas.microsoft.com/sharepoint/v3/contenttype/forms"/>
+  </ds:schemaRefs>
+</ds:datastoreItem>
+</file>
+
+<file path=customXml/itemProps3.xml><?xml version="1.0" encoding="utf-8"?>
+<ds:datastoreItem xmlns:ds="http://schemas.openxmlformats.org/officeDocument/2006/customXml" ds:itemID="{D1863B85-D0FB-43D7-80FE-E8C5EF44B132}">
+  <ds:schemaRefs>
+    <ds:schemaRef ds:uri="http://purl.org/dc/elements/1.1/"/>
+    <ds:schemaRef ds:uri="http://www.w3.org/XML/1998/namespace"/>
+    <ds:schemaRef ds:uri="e2ca784f-4dc5-42e9-9734-389708ce15cc"/>
+    <ds:schemaRef ds:uri="http://schemas.microsoft.com/office/infopath/2007/PartnerControls"/>
+    <ds:schemaRef ds:uri="http://schemas.microsoft.com/office/2006/metadata/properties"/>
+    <ds:schemaRef ds:uri="http://schemas.microsoft.com/office/2006/documentManagement/types"/>
+    <ds:schemaRef ds:uri="http://schemas.openxmlformats.org/package/2006/metadata/core-properties"/>
+    <ds:schemaRef ds:uri="7a087c55-5f08-466c-910b-e029fd4269fe"/>
+    <ds:schemaRef ds:uri="http://purl.org/dc/dcmitype/"/>
+    <ds:schemaRef ds:uri="http://purl.org/dc/terms/"/>
+  </ds:schemaRefs>
+</ds:datastoreItem>
 </file>